--- a/GPI - 2K18/Présentation – Gestion de Projet Informatique.pptx
+++ b/GPI - 2K18/Présentation – Gestion de Projet Informatique.pptx
@@ -205,7 +205,7 @@
           <a:p>
             <a:fld id="{956B347C-E6BA-4CE8-A501-EA2CA27F965B}" type="datetimeFigureOut">
               <a:rPr lang="fr-FR" smtClean="0"/>
-              <a:t>12/03/2018</a:t>
+              <a:t>16/03/2018</a:t>
             </a:fld>
             <a:endParaRPr lang="fr-FR"/>
           </a:p>
@@ -4303,51 +4303,6 @@
       </p:sp>
       <p:sp>
         <p:nvSpPr>
-          <p:cNvPr id="6" name="Espace réservé du pied de page 5"/>
-          <p:cNvSpPr>
-            <a:spLocks noGrp="1"/>
-          </p:cNvSpPr>
-          <p:nvPr>
-            <p:ph type="ftr" sz="quarter" idx="11"/>
-          </p:nvPr>
-        </p:nvSpPr>
-        <p:spPr/>
-        <p:txBody>
-          <a:bodyPr/>
-          <a:lstStyle/>
-          <a:p>
-            <a:r>
-              <a:rPr lang="fr-FR" dirty="0" smtClean="0">
-                <a:latin typeface="Charlemagne Std" pitchFamily="82" charset="0"/>
-              </a:rPr>
-              <a:t>Train </a:t>
-            </a:r>
-            <a:r>
-              <a:rPr lang="fr-FR" dirty="0" err="1" smtClean="0">
-                <a:latin typeface="Charlemagne Std" pitchFamily="82" charset="0"/>
-              </a:rPr>
-              <a:t>is</a:t>
-            </a:r>
-            <a:r>
-              <a:rPr lang="fr-FR" dirty="0" smtClean="0">
-                <a:latin typeface="Charlemagne Std" pitchFamily="82" charset="0"/>
-              </a:rPr>
-              <a:t> </a:t>
-            </a:r>
-            <a:r>
-              <a:rPr lang="fr-FR" dirty="0" err="1" smtClean="0">
-                <a:latin typeface="Charlemagne Std" pitchFamily="82" charset="0"/>
-              </a:rPr>
-              <a:t>coming</a:t>
-            </a:r>
-            <a:endParaRPr lang="fr-FR" dirty="0">
-              <a:latin typeface="Charlemagne Std" pitchFamily="82" charset="0"/>
-            </a:endParaRPr>
-          </a:p>
-        </p:txBody>
-      </p:sp>
-      <p:sp>
-        <p:nvSpPr>
           <p:cNvPr id="7" name="Espace réservé du numéro de diapositive 6"/>
           <p:cNvSpPr>
             <a:spLocks noGrp="1"/>
@@ -4379,6 +4334,13 @@
   <p:clrMapOvr>
     <a:masterClrMapping/>
   </p:clrMapOvr>
+  <p:timing>
+    <p:tnLst>
+      <p:par>
+        <p:cTn id="1" dur="indefinite" restart="never" nodeType="tmRoot"/>
+      </p:par>
+    </p:tnLst>
+  </p:timing>
 </p:sld>
 </file>
 
@@ -4460,11 +4422,7 @@
           <a:bodyPr/>
           <a:lstStyle/>
           <a:p>
-            <a:r>
-              <a:rPr lang="fr-FR" smtClean="0"/>
-              <a:t>Train is coming</a:t>
-            </a:r>
-            <a:endParaRPr lang="fr-FR"/>
+            <a:endParaRPr lang="fr-FR" dirty="0"/>
           </a:p>
         </p:txBody>
       </p:sp>
@@ -4514,6 +4472,36 @@
           </a:p>
         </p:txBody>
       </p:sp>
+      <p:pic>
+        <p:nvPicPr>
+          <p:cNvPr id="7" name="Image 6"/>
+          <p:cNvPicPr>
+            <a:picLocks noChangeAspect="1"/>
+          </p:cNvPicPr>
+          <p:nvPr/>
+        </p:nvPicPr>
+        <p:blipFill>
+          <a:blip r:embed="rId2" cstate="print">
+            <a:extLst>
+              <a:ext uri="{28A0092B-C50C-407E-A947-70E740481C1C}">
+                <a14:useLocalDpi xmlns:a14="http://schemas.microsoft.com/office/drawing/2010/main" val="0"/>
+              </a:ext>
+            </a:extLst>
+          </a:blip>
+          <a:stretch>
+            <a:fillRect/>
+          </a:stretch>
+        </p:blipFill>
+        <p:spPr>
+          <a:xfrm>
+            <a:off x="6804248" y="1340768"/>
+            <a:ext cx="2240256" cy="1035817"/>
+          </a:xfrm>
+          <a:prstGeom prst="rect">
+            <a:avLst/>
+          </a:prstGeom>
+        </p:spPr>
+      </p:pic>
     </p:spTree>
     <p:extLst>
       <p:ext uri="{BB962C8B-B14F-4D97-AF65-F5344CB8AC3E}">
@@ -4605,11 +4593,7 @@
           <a:bodyPr/>
           <a:lstStyle/>
           <a:p>
-            <a:r>
-              <a:rPr lang="fr-FR" smtClean="0"/>
-              <a:t>Train is coming</a:t>
-            </a:r>
-            <a:endParaRPr lang="fr-FR"/>
+            <a:endParaRPr lang="fr-FR" dirty="0"/>
           </a:p>
         </p:txBody>
       </p:sp>
@@ -4659,6 +4643,36 @@
           </a:p>
         </p:txBody>
       </p:sp>
+      <p:pic>
+        <p:nvPicPr>
+          <p:cNvPr id="7" name="Image 6"/>
+          <p:cNvPicPr>
+            <a:picLocks noChangeAspect="1"/>
+          </p:cNvPicPr>
+          <p:nvPr/>
+        </p:nvPicPr>
+        <p:blipFill>
+          <a:blip r:embed="rId2" cstate="print">
+            <a:extLst>
+              <a:ext uri="{28A0092B-C50C-407E-A947-70E740481C1C}">
+                <a14:useLocalDpi xmlns:a14="http://schemas.microsoft.com/office/drawing/2010/main" val="0"/>
+              </a:ext>
+            </a:extLst>
+          </a:blip>
+          <a:stretch>
+            <a:fillRect/>
+          </a:stretch>
+        </p:blipFill>
+        <p:spPr>
+          <a:xfrm>
+            <a:off x="6804248" y="1268760"/>
+            <a:ext cx="2240256" cy="1035817"/>
+          </a:xfrm>
+          <a:prstGeom prst="rect">
+            <a:avLst/>
+          </a:prstGeom>
+        </p:spPr>
+      </p:pic>
     </p:spTree>
     <p:extLst>
       <p:ext uri="{BB962C8B-B14F-4D97-AF65-F5344CB8AC3E}">
@@ -4750,11 +4764,7 @@
           <a:bodyPr/>
           <a:lstStyle/>
           <a:p>
-            <a:r>
-              <a:rPr lang="fr-FR" smtClean="0"/>
-              <a:t>Train is coming</a:t>
-            </a:r>
-            <a:endParaRPr lang="fr-FR"/>
+            <a:endParaRPr lang="fr-FR" dirty="0"/>
           </a:p>
         </p:txBody>
       </p:sp>
@@ -4804,6 +4814,36 @@
           </a:p>
         </p:txBody>
       </p:sp>
+      <p:pic>
+        <p:nvPicPr>
+          <p:cNvPr id="7" name="Image 6"/>
+          <p:cNvPicPr>
+            <a:picLocks noChangeAspect="1"/>
+          </p:cNvPicPr>
+          <p:nvPr/>
+        </p:nvPicPr>
+        <p:blipFill>
+          <a:blip r:embed="rId2" cstate="print">
+            <a:extLst>
+              <a:ext uri="{28A0092B-C50C-407E-A947-70E740481C1C}">
+                <a14:useLocalDpi xmlns:a14="http://schemas.microsoft.com/office/drawing/2010/main" val="0"/>
+              </a:ext>
+            </a:extLst>
+          </a:blip>
+          <a:stretch>
+            <a:fillRect/>
+          </a:stretch>
+        </p:blipFill>
+        <p:spPr>
+          <a:xfrm>
+            <a:off x="6669336" y="0"/>
+            <a:ext cx="2240256" cy="1035817"/>
+          </a:xfrm>
+          <a:prstGeom prst="rect">
+            <a:avLst/>
+          </a:prstGeom>
+        </p:spPr>
+      </p:pic>
     </p:spTree>
     <p:extLst>
       <p:ext uri="{BB962C8B-B14F-4D97-AF65-F5344CB8AC3E}">
@@ -4882,29 +4922,6 @@
       </p:sp>
       <p:sp>
         <p:nvSpPr>
-          <p:cNvPr id="4" name="Espace réservé du pied de page 3"/>
-          <p:cNvSpPr>
-            <a:spLocks noGrp="1"/>
-          </p:cNvSpPr>
-          <p:nvPr>
-            <p:ph type="ftr" sz="quarter" idx="11"/>
-          </p:nvPr>
-        </p:nvSpPr>
-        <p:spPr/>
-        <p:txBody>
-          <a:bodyPr/>
-          <a:lstStyle/>
-          <a:p>
-            <a:r>
-              <a:rPr lang="fr-FR" smtClean="0"/>
-              <a:t>Train is coming</a:t>
-            </a:r>
-            <a:endParaRPr lang="fr-FR"/>
-          </a:p>
-        </p:txBody>
-      </p:sp>
-      <p:sp>
-        <p:nvSpPr>
           <p:cNvPr id="5" name="Espace réservé du numéro de diapositive 4"/>
           <p:cNvSpPr>
             <a:spLocks noGrp="1"/>
@@ -4949,6 +4966,421 @@
           </a:p>
         </p:txBody>
       </p:sp>
+      <p:pic>
+        <p:nvPicPr>
+          <p:cNvPr id="7" name="Image 6"/>
+          <p:cNvPicPr>
+            <a:picLocks noChangeAspect="1"/>
+          </p:cNvPicPr>
+          <p:nvPr/>
+        </p:nvPicPr>
+        <p:blipFill>
+          <a:blip r:embed="rId2" cstate="print">
+            <a:extLst>
+              <a:ext uri="{28A0092B-C50C-407E-A947-70E740481C1C}">
+                <a14:useLocalDpi xmlns:a14="http://schemas.microsoft.com/office/drawing/2010/main" val="0"/>
+              </a:ext>
+            </a:extLst>
+          </a:blip>
+          <a:stretch>
+            <a:fillRect/>
+          </a:stretch>
+        </p:blipFill>
+        <p:spPr>
+          <a:xfrm>
+            <a:off x="6669336" y="0"/>
+            <a:ext cx="2240256" cy="1035817"/>
+          </a:xfrm>
+          <a:prstGeom prst="rect">
+            <a:avLst/>
+          </a:prstGeom>
+        </p:spPr>
+      </p:pic>
+      <p:graphicFrame>
+        <p:nvGraphicFramePr>
+          <p:cNvPr id="8" name="Tableau 7"/>
+          <p:cNvGraphicFramePr>
+            <a:graphicFrameLocks noGrp="1"/>
+          </p:cNvGraphicFramePr>
+          <p:nvPr>
+            <p:extLst>
+              <p:ext uri="{D42A27DB-BD31-4B8C-83A1-F6EECF244321}">
+                <p14:modId xmlns:p14="http://schemas.microsoft.com/office/powerpoint/2010/main" val="1301454933"/>
+              </p:ext>
+            </p:extLst>
+          </p:nvPr>
+        </p:nvGraphicFramePr>
+        <p:xfrm>
+          <a:off x="251520" y="1988840"/>
+          <a:ext cx="8496945" cy="3752634"/>
+        </p:xfrm>
+        <a:graphic>
+          <a:graphicData uri="http://schemas.openxmlformats.org/drawingml/2006/table">
+            <a:tbl>
+              <a:tblPr firstRow="1" bandRow="1">
+                <a:tableStyleId>{5C22544A-7EE6-4342-B048-85BDC9FD1C3A}</a:tableStyleId>
+              </a:tblPr>
+              <a:tblGrid>
+                <a:gridCol w="2832315"/>
+                <a:gridCol w="2832315"/>
+                <a:gridCol w="2832315"/>
+              </a:tblGrid>
+              <a:tr h="533164">
+                <a:tc>
+                  <a:txBody>
+                    <a:bodyPr/>
+                    <a:lstStyle/>
+                    <a:p>
+                      <a:pPr algn="ctr"/>
+                      <a:r>
+                        <a:rPr lang="fr-FR" sz="1600" dirty="0" smtClean="0"/>
+                        <a:t>Quand</a:t>
+                      </a:r>
+                      <a:r>
+                        <a:rPr lang="fr-FR" sz="1600" baseline="0" dirty="0" smtClean="0"/>
+                        <a:t> ?</a:t>
+                      </a:r>
+                      <a:endParaRPr lang="fr-FR" sz="1600" dirty="0"/>
+                    </a:p>
+                  </a:txBody>
+                  <a:tcPr/>
+                </a:tc>
+                <a:tc>
+                  <a:txBody>
+                    <a:bodyPr/>
+                    <a:lstStyle/>
+                    <a:p>
+                      <a:pPr algn="ctr"/>
+                      <a:r>
+                        <a:rPr lang="fr-FR" sz="1600" dirty="0" smtClean="0"/>
+                        <a:t>Pour ?</a:t>
+                      </a:r>
+                      <a:endParaRPr lang="fr-FR" sz="1600" dirty="0"/>
+                    </a:p>
+                  </a:txBody>
+                  <a:tcPr/>
+                </a:tc>
+                <a:tc>
+                  <a:txBody>
+                    <a:bodyPr/>
+                    <a:lstStyle/>
+                    <a:p>
+                      <a:pPr algn="ctr"/>
+                      <a:r>
+                        <a:rPr lang="fr-FR" sz="1600" dirty="0" smtClean="0"/>
+                        <a:t>Quoi ?</a:t>
+                      </a:r>
+                      <a:endParaRPr lang="fr-FR" sz="1600" dirty="0"/>
+                    </a:p>
+                  </a:txBody>
+                  <a:tcPr/>
+                </a:tc>
+              </a:tr>
+              <a:tr h="705106">
+                <a:tc>
+                  <a:txBody>
+                    <a:bodyPr/>
+                    <a:lstStyle/>
+                    <a:p>
+                      <a:pPr algn="ctr"/>
+                      <a:r>
+                        <a:rPr lang="fr-FR" sz="1600" dirty="0" smtClean="0"/>
+                        <a:t>19/01</a:t>
+                      </a:r>
+                      <a:r>
+                        <a:rPr lang="fr-FR" sz="1600" baseline="0" dirty="0" smtClean="0"/>
+                        <a:t> – 04/02</a:t>
+                      </a:r>
+                      <a:endParaRPr lang="fr-FR" sz="1600" dirty="0"/>
+                    </a:p>
+                  </a:txBody>
+                  <a:tcPr/>
+                </a:tc>
+                <a:tc>
+                  <a:txBody>
+                    <a:bodyPr/>
+                    <a:lstStyle/>
+                    <a:p>
+                      <a:pPr algn="ctr"/>
+                      <a:r>
+                        <a:rPr lang="fr-FR" sz="1600" dirty="0" smtClean="0"/>
+                        <a:t>Réalisation,</a:t>
+                      </a:r>
+                      <a:r>
+                        <a:rPr lang="fr-FR" sz="1600" baseline="0" dirty="0" smtClean="0"/>
+                        <a:t> conception du moteur et de l ’IHM</a:t>
+                      </a:r>
+                      <a:endParaRPr lang="fr-FR" sz="1600" dirty="0"/>
+                    </a:p>
+                  </a:txBody>
+                  <a:tcPr/>
+                </a:tc>
+                <a:tc>
+                  <a:txBody>
+                    <a:bodyPr/>
+                    <a:lstStyle/>
+                    <a:p>
+                      <a:pPr algn="ctr"/>
+                      <a:r>
+                        <a:rPr lang="fr-FR" sz="1600" dirty="0" smtClean="0"/>
+                        <a:t>Réalisation et livraison du plan de test</a:t>
+                      </a:r>
+                      <a:endParaRPr lang="fr-FR" sz="1600" dirty="0"/>
+                    </a:p>
+                  </a:txBody>
+                  <a:tcPr/>
+                </a:tc>
+              </a:tr>
+              <a:tr h="533164">
+                <a:tc>
+                  <a:txBody>
+                    <a:bodyPr/>
+                    <a:lstStyle/>
+                    <a:p>
+                      <a:pPr algn="ctr"/>
+                      <a:r>
+                        <a:rPr lang="fr-FR" sz="1600" dirty="0" smtClean="0"/>
+                        <a:t>04/02 - 09/02 :</a:t>
+                      </a:r>
+                      <a:endParaRPr lang="fr-FR" sz="1600" dirty="0"/>
+                    </a:p>
+                  </a:txBody>
+                  <a:tcPr/>
+                </a:tc>
+                <a:tc>
+                  <a:txBody>
+                    <a:bodyPr/>
+                    <a:lstStyle/>
+                    <a:p>
+                      <a:pPr algn="ctr"/>
+                      <a:r>
+                        <a:rPr lang="fr-FR" sz="1600" dirty="0" smtClean="0"/>
+                        <a:t>« Release</a:t>
+                      </a:r>
+                      <a:r>
+                        <a:rPr lang="fr-FR" sz="1600" baseline="0" dirty="0" smtClean="0"/>
+                        <a:t> 1 »</a:t>
+                      </a:r>
+                      <a:endParaRPr lang="fr-FR" sz="1600" dirty="0"/>
+                    </a:p>
+                  </a:txBody>
+                  <a:tcPr/>
+                </a:tc>
+                <a:tc>
+                  <a:txBody>
+                    <a:bodyPr/>
+                    <a:lstStyle/>
+                    <a:p>
+                      <a:pPr algn="ctr"/>
+                      <a:r>
+                        <a:rPr kumimoji="0" lang="fr-FR" sz="1600" kern="1200" dirty="0" smtClean="0">
+                          <a:solidFill>
+                            <a:schemeClr val="dk1"/>
+                          </a:solidFill>
+                          <a:effectLst/>
+                          <a:latin typeface="+mn-lt"/>
+                          <a:ea typeface="+mn-ea"/>
+                          <a:cs typeface="+mn-cs"/>
+                        </a:rPr>
+                        <a:t>Tests exécution du programme – vérification du</a:t>
+                      </a:r>
+                      <a:r>
+                        <a:rPr kumimoji="0" lang="fr-FR" sz="1600" kern="1200" baseline="0" dirty="0" smtClean="0">
+                          <a:solidFill>
+                            <a:schemeClr val="dk1"/>
+                          </a:solidFill>
+                          <a:effectLst/>
+                          <a:latin typeface="+mn-lt"/>
+                          <a:ea typeface="+mn-ea"/>
+                          <a:cs typeface="+mn-cs"/>
+                        </a:rPr>
+                        <a:t> </a:t>
+                      </a:r>
+                      <a:r>
+                        <a:rPr kumimoji="0" lang="fr-FR" sz="1600" kern="1200" dirty="0" smtClean="0">
+                          <a:solidFill>
+                            <a:schemeClr val="dk1"/>
+                          </a:solidFill>
+                          <a:effectLst/>
+                          <a:latin typeface="+mn-lt"/>
+                          <a:ea typeface="+mn-ea"/>
+                          <a:cs typeface="+mn-cs"/>
+                        </a:rPr>
+                        <a:t>Cahier des charges</a:t>
+                      </a:r>
+                      <a:endParaRPr lang="fr-FR" sz="1600" dirty="0"/>
+                    </a:p>
+                  </a:txBody>
+                  <a:tcPr/>
+                </a:tc>
+              </a:tr>
+              <a:tr h="533164">
+                <a:tc>
+                  <a:txBody>
+                    <a:bodyPr/>
+                    <a:lstStyle/>
+                    <a:p>
+                      <a:pPr algn="ctr"/>
+                      <a:r>
+                        <a:rPr lang="fr-FR" sz="1600" dirty="0" smtClean="0"/>
+                        <a:t>09/02 – 23/02 :</a:t>
+                      </a:r>
+                      <a:endParaRPr lang="fr-FR" sz="1600" dirty="0"/>
+                    </a:p>
+                  </a:txBody>
+                  <a:tcPr/>
+                </a:tc>
+                <a:tc>
+                  <a:txBody>
+                    <a:bodyPr/>
+                    <a:lstStyle/>
+                    <a:p>
+                      <a:pPr algn="ctr"/>
+                      <a:r>
+                        <a:rPr lang="fr-FR" sz="1600" dirty="0" smtClean="0"/>
+                        <a:t>Recette et validation </a:t>
+                      </a:r>
+                    </a:p>
+                    <a:p>
+                      <a:pPr algn="ctr"/>
+                      <a:r>
+                        <a:rPr lang="fr-FR" sz="1600" dirty="0" smtClean="0"/>
+                        <a:t> « Release 2 »</a:t>
+                      </a:r>
+                    </a:p>
+                  </a:txBody>
+                  <a:tcPr/>
+                </a:tc>
+                <a:tc>
+                  <a:txBody>
+                    <a:bodyPr/>
+                    <a:lstStyle/>
+                    <a:p>
+                      <a:pPr algn="ctr"/>
+                      <a:r>
+                        <a:rPr kumimoji="0" lang="fr-FR" sz="1600" kern="1200" dirty="0" smtClean="0">
+                          <a:solidFill>
+                            <a:schemeClr val="dk1"/>
+                          </a:solidFill>
+                          <a:effectLst/>
+                          <a:latin typeface="+mn-lt"/>
+                          <a:ea typeface="+mn-ea"/>
+                          <a:cs typeface="+mn-cs"/>
+                        </a:rPr>
+                        <a:t>Tests de robustesse et intégration continue</a:t>
+                      </a:r>
+                      <a:endParaRPr lang="fr-FR" sz="1600" dirty="0"/>
+                    </a:p>
+                  </a:txBody>
+                  <a:tcPr/>
+                </a:tc>
+              </a:tr>
+              <a:tr h="533164">
+                <a:tc>
+                  <a:txBody>
+                    <a:bodyPr/>
+                    <a:lstStyle/>
+                    <a:p>
+                      <a:pPr algn="ctr"/>
+                      <a:r>
+                        <a:rPr lang="fr-FR" sz="1600" dirty="0" smtClean="0"/>
+                        <a:t>23/02 - 16/03 :</a:t>
+                      </a:r>
+                      <a:endParaRPr lang="fr-FR" sz="1600" dirty="0"/>
+                    </a:p>
+                  </a:txBody>
+                  <a:tcPr/>
+                </a:tc>
+                <a:tc>
+                  <a:txBody>
+                    <a:bodyPr/>
+                    <a:lstStyle/>
+                    <a:p>
+                      <a:pPr algn="ctr"/>
+                      <a:r>
+                        <a:rPr lang="fr-FR" sz="1600" dirty="0" smtClean="0"/>
+                        <a:t>« Release 3 »</a:t>
+                      </a:r>
+                      <a:endParaRPr lang="fr-FR" sz="1600" dirty="0"/>
+                    </a:p>
+                  </a:txBody>
+                  <a:tcPr/>
+                </a:tc>
+                <a:tc>
+                  <a:txBody>
+                    <a:bodyPr/>
+                    <a:lstStyle/>
+                    <a:p>
+                      <a:pPr algn="ctr"/>
+                      <a:r>
+                        <a:rPr lang="fr-FR" sz="1600" dirty="0" smtClean="0"/>
+                        <a:t>Tests système et performance – intégration continue</a:t>
+                      </a:r>
+                      <a:endParaRPr lang="fr-FR" sz="1600" dirty="0"/>
+                    </a:p>
+                  </a:txBody>
+                  <a:tcPr/>
+                </a:tc>
+              </a:tr>
+              <a:tr h="533164">
+                <a:tc>
+                  <a:txBody>
+                    <a:bodyPr/>
+                    <a:lstStyle/>
+                    <a:p>
+                      <a:pPr algn="ctr"/>
+                      <a:r>
+                        <a:rPr lang="fr-FR" sz="1600" dirty="0" smtClean="0"/>
+                        <a:t>23/02 – 30/03 :</a:t>
+                      </a:r>
+                      <a:endParaRPr lang="fr-FR" sz="1600" dirty="0"/>
+                    </a:p>
+                  </a:txBody>
+                  <a:tcPr/>
+                </a:tc>
+                <a:tc>
+                  <a:txBody>
+                    <a:bodyPr/>
+                    <a:lstStyle/>
+                    <a:p>
+                      <a:pPr algn="ctr"/>
+                      <a:r>
+                        <a:rPr kumimoji="0" lang="fr-FR" sz="1600" kern="1200" dirty="0" smtClean="0">
+                          <a:solidFill>
+                            <a:schemeClr val="dk1"/>
+                          </a:solidFill>
+                          <a:effectLst/>
+                          <a:latin typeface="+mn-lt"/>
+                          <a:ea typeface="+mn-ea"/>
+                          <a:cs typeface="+mn-cs"/>
+                        </a:rPr>
+                        <a:t>Livraison</a:t>
+                      </a:r>
+                      <a:endParaRPr lang="fr-FR" sz="1600" dirty="0"/>
+                    </a:p>
+                  </a:txBody>
+                  <a:tcPr/>
+                </a:tc>
+                <a:tc>
+                  <a:txBody>
+                    <a:bodyPr/>
+                    <a:lstStyle/>
+                    <a:p>
+                      <a:pPr algn="ctr"/>
+                      <a:r>
+                        <a:rPr lang="fr-FR" sz="1600" dirty="0" smtClean="0"/>
+                        <a:t>Analyse de l’ergonomie</a:t>
+                      </a:r>
+                      <a:endParaRPr lang="fr-FR" sz="1600" dirty="0"/>
+                    </a:p>
+                  </a:txBody>
+                  <a:tcPr/>
+                </a:tc>
+              </a:tr>
+            </a:tbl>
+          </a:graphicData>
+        </a:graphic>
+      </p:graphicFrame>
     </p:spTree>
     <p:extLst>
       <p:ext uri="{BB962C8B-B14F-4D97-AF65-F5344CB8AC3E}">
@@ -5040,11 +5472,7 @@
           <a:bodyPr/>
           <a:lstStyle/>
           <a:p>
-            <a:r>
-              <a:rPr lang="fr-FR" smtClean="0"/>
-              <a:t>Train is coming</a:t>
-            </a:r>
-            <a:endParaRPr lang="fr-FR"/>
+            <a:endParaRPr lang="fr-FR" dirty="0"/>
           </a:p>
         </p:txBody>
       </p:sp>
@@ -5090,6 +5518,36 @@
           </a:p>
         </p:txBody>
       </p:sp>
+      <p:pic>
+        <p:nvPicPr>
+          <p:cNvPr id="7" name="Image 6"/>
+          <p:cNvPicPr>
+            <a:picLocks noChangeAspect="1"/>
+          </p:cNvPicPr>
+          <p:nvPr/>
+        </p:nvPicPr>
+        <p:blipFill>
+          <a:blip r:embed="rId2" cstate="print">
+            <a:extLst>
+              <a:ext uri="{28A0092B-C50C-407E-A947-70E740481C1C}">
+                <a14:useLocalDpi xmlns:a14="http://schemas.microsoft.com/office/drawing/2010/main" val="0"/>
+              </a:ext>
+            </a:extLst>
+          </a:blip>
+          <a:stretch>
+            <a:fillRect/>
+          </a:stretch>
+        </p:blipFill>
+        <p:spPr>
+          <a:xfrm>
+            <a:off x="6669336" y="0"/>
+            <a:ext cx="2240256" cy="1035817"/>
+          </a:xfrm>
+          <a:prstGeom prst="rect">
+            <a:avLst/>
+          </a:prstGeom>
+        </p:spPr>
+      </p:pic>
     </p:spTree>
     <p:extLst>
       <p:ext uri="{BB962C8B-B14F-4D97-AF65-F5344CB8AC3E}">
@@ -5168,29 +5626,6 @@
       </p:sp>
       <p:sp>
         <p:nvSpPr>
-          <p:cNvPr id="4" name="Espace réservé du pied de page 3"/>
-          <p:cNvSpPr>
-            <a:spLocks noGrp="1"/>
-          </p:cNvSpPr>
-          <p:nvPr>
-            <p:ph type="ftr" sz="quarter" idx="11"/>
-          </p:nvPr>
-        </p:nvSpPr>
-        <p:spPr/>
-        <p:txBody>
-          <a:bodyPr/>
-          <a:lstStyle/>
-          <a:p>
-            <a:r>
-              <a:rPr lang="fr-FR" smtClean="0"/>
-              <a:t>Train is coming</a:t>
-            </a:r>
-            <a:endParaRPr lang="fr-FR"/>
-          </a:p>
-        </p:txBody>
-      </p:sp>
-      <p:sp>
-        <p:nvSpPr>
           <p:cNvPr id="5" name="Espace réservé du numéro de diapositive 4"/>
           <p:cNvSpPr>
             <a:spLocks noGrp="1"/>
@@ -5212,25 +5647,64 @@
           </a:p>
         </p:txBody>
       </p:sp>
-      <p:sp>
-        <p:nvSpPr>
-          <p:cNvPr id="6" name="Espace réservé du contenu 5"/>
-          <p:cNvSpPr>
-            <a:spLocks noGrp="1"/>
-          </p:cNvSpPr>
+      <p:pic>
+        <p:nvPicPr>
+          <p:cNvPr id="7" name="Espace réservé du contenu 6"/>
+          <p:cNvPicPr>
+            <a:picLocks noGrp="1" noChangeAspect="1"/>
+          </p:cNvPicPr>
           <p:nvPr>
             <p:ph sz="quarter" idx="1"/>
           </p:nvPr>
-        </p:nvSpPr>
-        <p:spPr/>
-        <p:txBody>
-          <a:bodyPr/>
-          <a:lstStyle/>
-          <a:p>
-            <a:endParaRPr lang="fr-FR" dirty="0"/>
-          </a:p>
-        </p:txBody>
-      </p:sp>
+        </p:nvPicPr>
+        <p:blipFill rotWithShape="1">
+          <a:blip r:embed="rId2">
+            <a:extLst>
+              <a:ext uri="{28A0092B-C50C-407E-A947-70E740481C1C}">
+                <a14:useLocalDpi xmlns:a14="http://schemas.microsoft.com/office/drawing/2010/main" val="0"/>
+              </a:ext>
+            </a:extLst>
+          </a:blip>
+          <a:srcRect t="30754" b="38317"/>
+          <a:stretch/>
+        </p:blipFill>
+        <p:spPr>
+          <a:xfrm>
+            <a:off x="683568" y="2345141"/>
+            <a:ext cx="7635902" cy="1517904"/>
+          </a:xfrm>
+        </p:spPr>
+      </p:pic>
+      <p:pic>
+        <p:nvPicPr>
+          <p:cNvPr id="10" name="Image 9"/>
+          <p:cNvPicPr>
+            <a:picLocks noChangeAspect="1"/>
+          </p:cNvPicPr>
+          <p:nvPr/>
+        </p:nvPicPr>
+        <p:blipFill>
+          <a:blip r:embed="rId3" cstate="print">
+            <a:extLst>
+              <a:ext uri="{28A0092B-C50C-407E-A947-70E740481C1C}">
+                <a14:useLocalDpi xmlns:a14="http://schemas.microsoft.com/office/drawing/2010/main" val="0"/>
+              </a:ext>
+            </a:extLst>
+          </a:blip>
+          <a:stretch>
+            <a:fillRect/>
+          </a:stretch>
+        </p:blipFill>
+        <p:spPr>
+          <a:xfrm>
+            <a:off x="6669336" y="0"/>
+            <a:ext cx="2240256" cy="1035817"/>
+          </a:xfrm>
+          <a:prstGeom prst="rect">
+            <a:avLst/>
+          </a:prstGeom>
+        </p:spPr>
+      </p:pic>
     </p:spTree>
     <p:extLst>
       <p:ext uri="{BB962C8B-B14F-4D97-AF65-F5344CB8AC3E}">
@@ -5241,6 +5715,13 @@
   <p:clrMapOvr>
     <a:masterClrMapping/>
   </p:clrMapOvr>
+  <p:timing>
+    <p:tnLst>
+      <p:par>
+        <p:cTn id="1" dur="indefinite" restart="never" nodeType="tmRoot"/>
+      </p:par>
+    </p:tnLst>
+  </p:timing>
 </p:sld>
 </file>
 
@@ -5309,29 +5790,6 @@
       </p:sp>
       <p:sp>
         <p:nvSpPr>
-          <p:cNvPr id="4" name="Espace réservé du pied de page 3"/>
-          <p:cNvSpPr>
-            <a:spLocks noGrp="1"/>
-          </p:cNvSpPr>
-          <p:nvPr>
-            <p:ph type="ftr" sz="quarter" idx="11"/>
-          </p:nvPr>
-        </p:nvSpPr>
-        <p:spPr/>
-        <p:txBody>
-          <a:bodyPr/>
-          <a:lstStyle/>
-          <a:p>
-            <a:r>
-              <a:rPr lang="fr-FR" smtClean="0"/>
-              <a:t>Train is coming</a:t>
-            </a:r>
-            <a:endParaRPr lang="fr-FR"/>
-          </a:p>
-        </p:txBody>
-      </p:sp>
-      <p:sp>
-        <p:nvSpPr>
           <p:cNvPr id="5" name="Espace réservé du numéro de diapositive 4"/>
           <p:cNvSpPr>
             <a:spLocks noGrp="1"/>
@@ -5353,22 +5811,198 @@
           </a:p>
         </p:txBody>
       </p:sp>
-      <p:sp>
-        <p:nvSpPr>
-          <p:cNvPr id="6" name="Espace réservé du contenu 5"/>
-          <p:cNvSpPr>
-            <a:spLocks noGrp="1"/>
-          </p:cNvSpPr>
+      <p:pic>
+        <p:nvPicPr>
+          <p:cNvPr id="8" name="Espace réservé du contenu 7"/>
+          <p:cNvPicPr>
+            <a:picLocks noGrp="1" noChangeAspect="1"/>
+          </p:cNvPicPr>
           <p:nvPr>
             <p:ph sz="quarter" idx="1"/>
           </p:nvPr>
-        </p:nvSpPr>
-        <p:spPr/>
-        <p:txBody>
-          <a:bodyPr/>
-          <a:lstStyle/>
-          <a:p>
-            <a:endParaRPr lang="fr-FR" dirty="0"/>
+        </p:nvPicPr>
+        <p:blipFill>
+          <a:blip r:embed="rId2">
+            <a:extLst>
+              <a:ext uri="{28A0092B-C50C-407E-A947-70E740481C1C}">
+                <a14:useLocalDpi xmlns:a14="http://schemas.microsoft.com/office/drawing/2010/main" val="0"/>
+              </a:ext>
+            </a:extLst>
+          </a:blip>
+          <a:stretch>
+            <a:fillRect/>
+          </a:stretch>
+        </p:blipFill>
+        <p:spPr>
+          <a:xfrm>
+            <a:off x="467544" y="1196752"/>
+            <a:ext cx="670618" cy="4680520"/>
+          </a:xfrm>
+        </p:spPr>
+      </p:pic>
+      <p:pic>
+        <p:nvPicPr>
+          <p:cNvPr id="7" name="Image 6"/>
+          <p:cNvPicPr>
+            <a:picLocks noChangeAspect="1"/>
+          </p:cNvPicPr>
+          <p:nvPr/>
+        </p:nvPicPr>
+        <p:blipFill>
+          <a:blip r:embed="rId3" cstate="print">
+            <a:extLst>
+              <a:ext uri="{28A0092B-C50C-407E-A947-70E740481C1C}">
+                <a14:useLocalDpi xmlns:a14="http://schemas.microsoft.com/office/drawing/2010/main" val="0"/>
+              </a:ext>
+            </a:extLst>
+          </a:blip>
+          <a:stretch>
+            <a:fillRect/>
+          </a:stretch>
+        </p:blipFill>
+        <p:spPr>
+          <a:xfrm>
+            <a:off x="6669336" y="0"/>
+            <a:ext cx="2240256" cy="1035817"/>
+          </a:xfrm>
+          <a:prstGeom prst="rect">
+            <a:avLst/>
+          </a:prstGeom>
+        </p:spPr>
+      </p:pic>
+      <p:sp>
+        <p:nvSpPr>
+          <p:cNvPr id="10" name="ZoneTexte 9"/>
+          <p:cNvSpPr txBox="1"/>
+          <p:nvPr/>
+        </p:nvSpPr>
+        <p:spPr>
+          <a:xfrm>
+            <a:off x="1115616" y="2132856"/>
+            <a:ext cx="5184576" cy="369332"/>
+          </a:xfrm>
+          <a:prstGeom prst="rect">
+            <a:avLst/>
+          </a:prstGeom>
+          <a:noFill/>
+        </p:spPr>
+        <p:txBody>
+          <a:bodyPr wrap="square" rtlCol="0">
+            <a:spAutoFit/>
+          </a:bodyPr>
+          <a:lstStyle/>
+          <a:p>
+            <a:r>
+              <a:rPr lang="fr-FR" dirty="0" smtClean="0">
+                <a:latin typeface="+mj-lt"/>
+              </a:rPr>
+              <a:t>Une vision du monde professionnel</a:t>
+            </a:r>
+            <a:endParaRPr lang="fr-FR" dirty="0">
+              <a:latin typeface="+mj-lt"/>
+            </a:endParaRPr>
+          </a:p>
+        </p:txBody>
+      </p:sp>
+      <p:sp>
+        <p:nvSpPr>
+          <p:cNvPr id="11" name="ZoneTexte 10"/>
+          <p:cNvSpPr txBox="1"/>
+          <p:nvPr/>
+        </p:nvSpPr>
+        <p:spPr>
+          <a:xfrm>
+            <a:off x="1115616" y="3212976"/>
+            <a:ext cx="5040560" cy="369332"/>
+          </a:xfrm>
+          <a:prstGeom prst="rect">
+            <a:avLst/>
+          </a:prstGeom>
+          <a:noFill/>
+        </p:spPr>
+        <p:txBody>
+          <a:bodyPr wrap="square" rtlCol="0">
+            <a:spAutoFit/>
+          </a:bodyPr>
+          <a:lstStyle/>
+          <a:p>
+            <a:r>
+              <a:rPr lang="fr-FR" dirty="0" smtClean="0">
+                <a:latin typeface="+mj-lt"/>
+              </a:rPr>
+              <a:t>Simulation de la vie d’entreprise</a:t>
+            </a:r>
+            <a:endParaRPr lang="fr-FR" dirty="0">
+              <a:latin typeface="+mj-lt"/>
+            </a:endParaRPr>
+          </a:p>
+        </p:txBody>
+      </p:sp>
+      <p:sp>
+        <p:nvSpPr>
+          <p:cNvPr id="12" name="ZoneTexte 11"/>
+          <p:cNvSpPr txBox="1"/>
+          <p:nvPr/>
+        </p:nvSpPr>
+        <p:spPr>
+          <a:xfrm>
+            <a:off x="1115616" y="4293096"/>
+            <a:ext cx="3312368" cy="369332"/>
+          </a:xfrm>
+          <a:prstGeom prst="rect">
+            <a:avLst/>
+          </a:prstGeom>
+          <a:noFill/>
+        </p:spPr>
+        <p:txBody>
+          <a:bodyPr wrap="square" rtlCol="0">
+            <a:spAutoFit/>
+          </a:bodyPr>
+          <a:lstStyle/>
+          <a:p>
+            <a:r>
+              <a:rPr lang="fr-FR" dirty="0" smtClean="0">
+                <a:latin typeface="+mj-lt"/>
+              </a:rPr>
+              <a:t>Gestion de projet encadrée</a:t>
+            </a:r>
+            <a:endParaRPr lang="fr-FR" dirty="0">
+              <a:latin typeface="+mj-lt"/>
+            </a:endParaRPr>
+          </a:p>
+        </p:txBody>
+      </p:sp>
+      <p:sp>
+        <p:nvSpPr>
+          <p:cNvPr id="13" name="ZoneTexte 12"/>
+          <p:cNvSpPr txBox="1"/>
+          <p:nvPr/>
+        </p:nvSpPr>
+        <p:spPr>
+          <a:xfrm>
+            <a:off x="1115616" y="5373216"/>
+            <a:ext cx="4392488" cy="369332"/>
+          </a:xfrm>
+          <a:prstGeom prst="rect">
+            <a:avLst/>
+          </a:prstGeom>
+          <a:noFill/>
+        </p:spPr>
+        <p:txBody>
+          <a:bodyPr wrap="square" rtlCol="0">
+            <a:spAutoFit/>
+          </a:bodyPr>
+          <a:lstStyle/>
+          <a:p>
+            <a:r>
+              <a:rPr lang="fr-FR" dirty="0" smtClean="0">
+                <a:latin typeface="+mj-lt"/>
+              </a:rPr>
+              <a:t>Travail d’équipe et attribution de rôle </a:t>
+            </a:r>
+            <a:endParaRPr lang="fr-FR" dirty="0">
+              <a:latin typeface="+mj-lt"/>
+            </a:endParaRPr>
           </a:p>
         </p:txBody>
       </p:sp>
@@ -5382,6 +6016,13 @@
   <p:clrMapOvr>
     <a:masterClrMapping/>
   </p:clrMapOvr>
+  <p:timing>
+    <p:tnLst>
+      <p:par>
+        <p:cTn id="1" dur="indefinite" restart="never" nodeType="tmRoot"/>
+      </p:par>
+    </p:tnLst>
+  </p:timing>
 </p:sld>
 </file>
 
@@ -5441,33 +6082,10 @@
           <a:lstStyle/>
           <a:p>
             <a:r>
-              <a:rPr lang="fr-FR" smtClean="0"/>
+              <a:rPr lang="fr-FR" dirty="0" smtClean="0"/>
               <a:t>30/03/2018</a:t>
             </a:r>
-            <a:endParaRPr lang="fr-FR"/>
-          </a:p>
-        </p:txBody>
-      </p:sp>
-      <p:sp>
-        <p:nvSpPr>
-          <p:cNvPr id="4" name="Espace réservé du pied de page 3"/>
-          <p:cNvSpPr>
-            <a:spLocks noGrp="1"/>
-          </p:cNvSpPr>
-          <p:nvPr>
-            <p:ph type="ftr" sz="quarter" idx="11"/>
-          </p:nvPr>
-        </p:nvSpPr>
-        <p:spPr/>
-        <p:txBody>
-          <a:bodyPr/>
-          <a:lstStyle/>
-          <a:p>
-            <a:r>
-              <a:rPr lang="fr-FR" smtClean="0"/>
-              <a:t>Train is coming</a:t>
-            </a:r>
-            <a:endParaRPr lang="fr-FR"/>
+            <a:endParaRPr lang="fr-FR" dirty="0"/>
           </a:p>
         </p:txBody>
       </p:sp>
@@ -5509,6 +6127,331 @@
           <a:bodyPr/>
           <a:lstStyle/>
           <a:p>
+            <a:pPr marL="274320" lvl="1" indent="0">
+              <a:buNone/>
+            </a:pPr>
+            <a:endParaRPr lang="fr-FR" dirty="0" smtClean="0"/>
+          </a:p>
+          <a:p>
+            <a:pPr marL="274320" lvl="1" indent="0">
+              <a:buNone/>
+            </a:pPr>
+            <a:r>
+              <a:rPr lang="fr-FR" dirty="0" smtClean="0"/>
+              <a:t>CHEF DE PROJET 				- Maxime JOLY</a:t>
+            </a:r>
+          </a:p>
+          <a:p>
+            <a:pPr marL="274320" lvl="1" indent="0">
+              <a:buNone/>
+            </a:pPr>
+            <a:endParaRPr lang="fr-FR" dirty="0"/>
+          </a:p>
+          <a:p>
+            <a:pPr marL="274320" lvl="1" indent="0">
+              <a:buNone/>
+            </a:pPr>
+            <a:r>
+              <a:rPr lang="fr-FR" dirty="0" smtClean="0"/>
+              <a:t>RESPONSABLE DE QUALITE		- Thomas RE</a:t>
+            </a:r>
+          </a:p>
+          <a:p>
+            <a:pPr marL="274320" lvl="1" indent="0">
+              <a:buNone/>
+            </a:pPr>
+            <a:endParaRPr lang="fr-FR" dirty="0"/>
+          </a:p>
+          <a:p>
+            <a:pPr marL="274320" lvl="1" indent="0">
+              <a:buNone/>
+            </a:pPr>
+            <a:r>
+              <a:rPr lang="fr-FR" dirty="0" smtClean="0"/>
+              <a:t>MAÎTRE D’ŒUVRE				- Benoît CONS</a:t>
+            </a:r>
+          </a:p>
+          <a:p>
+            <a:pPr marL="274320" lvl="1" indent="0">
+              <a:buNone/>
+            </a:pPr>
+            <a:endParaRPr lang="fr-FR" dirty="0" smtClean="0"/>
+          </a:p>
+          <a:p>
+            <a:pPr marL="274320" lvl="1" indent="0">
+              <a:buNone/>
+            </a:pPr>
+            <a:r>
+              <a:rPr lang="fr-FR" dirty="0" smtClean="0"/>
+              <a:t>MAÎTRE D’OUVRAGE			- Arnaud SERY</a:t>
+            </a:r>
+          </a:p>
+          <a:p>
+            <a:pPr marL="274320" lvl="1" indent="0">
+              <a:buNone/>
+            </a:pPr>
+            <a:endParaRPr lang="fr-FR" dirty="0"/>
+          </a:p>
+          <a:p>
+            <a:pPr marL="274320" lvl="1" indent="0">
+              <a:buNone/>
+            </a:pPr>
+            <a:r>
+              <a:rPr lang="fr-FR" dirty="0" smtClean="0"/>
+              <a:t>RESPONSABLE DOCUMENTATION	- Vincent VIROLE</a:t>
+            </a:r>
+          </a:p>
+          <a:p>
+            <a:pPr lvl="1" algn="ctr"/>
+            <a:endParaRPr lang="fr-FR" dirty="0"/>
+          </a:p>
+        </p:txBody>
+      </p:sp>
+      <p:pic>
+        <p:nvPicPr>
+          <p:cNvPr id="7" name="Image 6"/>
+          <p:cNvPicPr>
+            <a:picLocks noChangeAspect="1"/>
+          </p:cNvPicPr>
+          <p:nvPr/>
+        </p:nvPicPr>
+        <p:blipFill>
+          <a:blip r:embed="rId2" cstate="print">
+            <a:extLst>
+              <a:ext uri="{28A0092B-C50C-407E-A947-70E740481C1C}">
+                <a14:useLocalDpi xmlns:a14="http://schemas.microsoft.com/office/drawing/2010/main" val="0"/>
+              </a:ext>
+            </a:extLst>
+          </a:blip>
+          <a:stretch>
+            <a:fillRect/>
+          </a:stretch>
+        </p:blipFill>
+        <p:spPr>
+          <a:xfrm>
+            <a:off x="6669336" y="0"/>
+            <a:ext cx="2240256" cy="1035817"/>
+          </a:xfrm>
+          <a:prstGeom prst="rect">
+            <a:avLst/>
+          </a:prstGeom>
+        </p:spPr>
+      </p:pic>
+      <p:sp>
+        <p:nvSpPr>
+          <p:cNvPr id="8" name="Ellipse 7"/>
+          <p:cNvSpPr/>
+          <p:nvPr/>
+        </p:nvSpPr>
+        <p:spPr>
+          <a:xfrm>
+            <a:off x="349299" y="1729189"/>
+            <a:ext cx="288032" cy="288032"/>
+          </a:xfrm>
+          <a:prstGeom prst="ellipse">
+            <a:avLst/>
+          </a:prstGeom>
+          <a:solidFill>
+            <a:srgbClr val="FFC000"/>
+          </a:solidFill>
+        </p:spPr>
+        <p:style>
+          <a:lnRef idx="2">
+            <a:schemeClr val="accent1">
+              <a:shade val="50000"/>
+            </a:schemeClr>
+          </a:lnRef>
+          <a:fillRef idx="1">
+            <a:schemeClr val="accent1"/>
+          </a:fillRef>
+          <a:effectRef idx="0">
+            <a:schemeClr val="accent1"/>
+          </a:effectRef>
+          <a:fontRef idx="minor">
+            <a:schemeClr val="lt1"/>
+          </a:fontRef>
+        </p:style>
+        <p:txBody>
+          <a:bodyPr rtlCol="0" anchor="ctr"/>
+          <a:lstStyle/>
+          <a:p>
+            <a:pPr algn="ctr"/>
+            <a:endParaRPr lang="fr-FR">
+              <a:solidFill>
+                <a:srgbClr val="FF0000"/>
+              </a:solidFill>
+            </a:endParaRPr>
+          </a:p>
+        </p:txBody>
+      </p:sp>
+      <p:sp>
+        <p:nvSpPr>
+          <p:cNvPr id="9" name="Ellipse 8"/>
+          <p:cNvSpPr/>
+          <p:nvPr/>
+        </p:nvSpPr>
+        <p:spPr>
+          <a:xfrm>
+            <a:off x="349299" y="2564904"/>
+            <a:ext cx="288032" cy="288032"/>
+          </a:xfrm>
+          <a:prstGeom prst="ellipse">
+            <a:avLst/>
+          </a:prstGeom>
+          <a:solidFill>
+            <a:srgbClr val="92D050"/>
+          </a:solidFill>
+        </p:spPr>
+        <p:style>
+          <a:lnRef idx="2">
+            <a:schemeClr val="accent1">
+              <a:shade val="50000"/>
+            </a:schemeClr>
+          </a:lnRef>
+          <a:fillRef idx="1">
+            <a:schemeClr val="accent1"/>
+          </a:fillRef>
+          <a:effectRef idx="0">
+            <a:schemeClr val="accent1"/>
+          </a:effectRef>
+          <a:fontRef idx="minor">
+            <a:schemeClr val="lt1"/>
+          </a:fontRef>
+        </p:style>
+        <p:txBody>
+          <a:bodyPr rtlCol="0" anchor="ctr"/>
+          <a:lstStyle/>
+          <a:p>
+            <a:pPr algn="ctr"/>
+            <a:endParaRPr lang="fr-FR"/>
+          </a:p>
+        </p:txBody>
+      </p:sp>
+      <p:sp>
+        <p:nvSpPr>
+          <p:cNvPr id="10" name="Ellipse 9"/>
+          <p:cNvSpPr/>
+          <p:nvPr/>
+        </p:nvSpPr>
+        <p:spPr>
+          <a:xfrm>
+            <a:off x="349299" y="3356992"/>
+            <a:ext cx="288032" cy="288032"/>
+          </a:xfrm>
+          <a:prstGeom prst="ellipse">
+            <a:avLst/>
+          </a:prstGeom>
+          <a:solidFill>
+            <a:srgbClr val="00B0F0"/>
+          </a:solidFill>
+        </p:spPr>
+        <p:style>
+          <a:lnRef idx="2">
+            <a:schemeClr val="accent1">
+              <a:shade val="50000"/>
+            </a:schemeClr>
+          </a:lnRef>
+          <a:fillRef idx="1">
+            <a:schemeClr val="accent1"/>
+          </a:fillRef>
+          <a:effectRef idx="0">
+            <a:schemeClr val="accent1"/>
+          </a:effectRef>
+          <a:fontRef idx="minor">
+            <a:schemeClr val="lt1"/>
+          </a:fontRef>
+        </p:style>
+        <p:txBody>
+          <a:bodyPr rtlCol="0" anchor="ctr"/>
+          <a:lstStyle/>
+          <a:p>
+            <a:pPr algn="ctr"/>
+            <a:endParaRPr lang="fr-FR"/>
+          </a:p>
+        </p:txBody>
+      </p:sp>
+      <p:sp>
+        <p:nvSpPr>
+          <p:cNvPr id="11" name="Ellipse 10"/>
+          <p:cNvSpPr/>
+          <p:nvPr/>
+        </p:nvSpPr>
+        <p:spPr>
+          <a:xfrm>
+            <a:off x="349299" y="4221088"/>
+            <a:ext cx="288032" cy="288032"/>
+          </a:xfrm>
+          <a:prstGeom prst="ellipse">
+            <a:avLst/>
+          </a:prstGeom>
+          <a:solidFill>
+            <a:srgbClr val="FF0000"/>
+          </a:solidFill>
+        </p:spPr>
+        <p:style>
+          <a:lnRef idx="2">
+            <a:schemeClr val="accent1">
+              <a:shade val="50000"/>
+            </a:schemeClr>
+          </a:lnRef>
+          <a:fillRef idx="1">
+            <a:schemeClr val="accent1"/>
+          </a:fillRef>
+          <a:effectRef idx="0">
+            <a:schemeClr val="accent1"/>
+          </a:effectRef>
+          <a:fontRef idx="minor">
+            <a:schemeClr val="lt1"/>
+          </a:fontRef>
+        </p:style>
+        <p:txBody>
+          <a:bodyPr rtlCol="0" anchor="ctr"/>
+          <a:lstStyle/>
+          <a:p>
+            <a:pPr algn="ctr"/>
+            <a:endParaRPr lang="fr-FR"/>
+          </a:p>
+        </p:txBody>
+      </p:sp>
+      <p:sp>
+        <p:nvSpPr>
+          <p:cNvPr id="12" name="Ellipse 11"/>
+          <p:cNvSpPr/>
+          <p:nvPr/>
+        </p:nvSpPr>
+        <p:spPr>
+          <a:xfrm>
+            <a:off x="349299" y="5013176"/>
+            <a:ext cx="288032" cy="288032"/>
+          </a:xfrm>
+          <a:prstGeom prst="ellipse">
+            <a:avLst/>
+          </a:prstGeom>
+          <a:solidFill>
+            <a:srgbClr val="7030A0"/>
+          </a:solidFill>
+        </p:spPr>
+        <p:style>
+          <a:lnRef idx="2">
+            <a:schemeClr val="accent1">
+              <a:shade val="50000"/>
+            </a:schemeClr>
+          </a:lnRef>
+          <a:fillRef idx="1">
+            <a:schemeClr val="accent1"/>
+          </a:fillRef>
+          <a:effectRef idx="0">
+            <a:schemeClr val="accent1"/>
+          </a:effectRef>
+          <a:fontRef idx="minor">
+            <a:schemeClr val="lt1"/>
+          </a:fontRef>
+        </p:style>
+        <p:txBody>
+          <a:bodyPr rtlCol="0" anchor="ctr"/>
+          <a:lstStyle/>
+          <a:p>
+            <a:pPr algn="ctr"/>
             <a:endParaRPr lang="fr-FR"/>
           </a:p>
         </p:txBody>
@@ -5523,6 +6466,13 @@
   <p:clrMapOvr>
     <a:masterClrMapping/>
   </p:clrMapOvr>
+  <p:timing>
+    <p:tnLst>
+      <p:par>
+        <p:cTn id="1" dur="indefinite" restart="never" nodeType="tmRoot"/>
+      </p:par>
+    </p:tnLst>
+  </p:timing>
 </p:sld>
 </file>
 
@@ -5591,29 +6541,6 @@
       </p:sp>
       <p:sp>
         <p:nvSpPr>
-          <p:cNvPr id="4" name="Espace réservé du pied de page 3"/>
-          <p:cNvSpPr>
-            <a:spLocks noGrp="1"/>
-          </p:cNvSpPr>
-          <p:nvPr>
-            <p:ph type="ftr" sz="quarter" idx="11"/>
-          </p:nvPr>
-        </p:nvSpPr>
-        <p:spPr/>
-        <p:txBody>
-          <a:bodyPr/>
-          <a:lstStyle/>
-          <a:p>
-            <a:r>
-              <a:rPr lang="fr-FR" smtClean="0"/>
-              <a:t>Train is coming</a:t>
-            </a:r>
-            <a:endParaRPr lang="fr-FR"/>
-          </a:p>
-        </p:txBody>
-      </p:sp>
-      <p:sp>
-        <p:nvSpPr>
           <p:cNvPr id="5" name="Espace réservé du numéro de diapositive 4"/>
           <p:cNvSpPr>
             <a:spLocks noGrp="1"/>
@@ -5654,7 +6581,376 @@
               <a:rPr lang="fr-FR" dirty="0" smtClean="0"/>
               <a:t>GESTION DE L’EQUIPE</a:t>
             </a:r>
+          </a:p>
+          <a:p>
+            <a:pPr lvl="1"/>
+            <a:endParaRPr lang="fr-FR" dirty="0" smtClean="0"/>
+          </a:p>
+          <a:p>
+            <a:pPr lvl="1"/>
+            <a:r>
+              <a:rPr lang="fr-FR" dirty="0" smtClean="0"/>
+              <a:t>Gérer </a:t>
+            </a:r>
+            <a:r>
+              <a:rPr lang="fr-FR" dirty="0"/>
+              <a:t>les membres de l’équipe 	</a:t>
+            </a:r>
+            <a:r>
+              <a:rPr lang="fr-FR" dirty="0">
+                <a:sym typeface="Wingdings" panose="05000000000000000000" pitchFamily="2" charset="2"/>
+              </a:rPr>
+              <a:t></a:t>
+            </a:r>
+            <a:r>
+              <a:rPr lang="fr-FR" dirty="0"/>
+              <a:t> </a:t>
+            </a:r>
+            <a:r>
+              <a:rPr lang="fr-FR" dirty="0" smtClean="0"/>
+              <a:t>Bien </a:t>
+            </a:r>
+            <a:r>
+              <a:rPr lang="fr-FR" dirty="0"/>
+              <a:t>connaître son équipe</a:t>
+            </a:r>
+          </a:p>
+          <a:p>
+            <a:pPr lvl="1"/>
+            <a:endParaRPr lang="fr-FR" dirty="0" smtClean="0"/>
+          </a:p>
+          <a:p>
+            <a:pPr lvl="1"/>
+            <a:r>
+              <a:rPr lang="fr-FR" dirty="0" smtClean="0"/>
+              <a:t>Savoir </a:t>
+            </a:r>
+            <a:r>
+              <a:rPr lang="fr-FR" dirty="0"/>
+              <a:t>dire la vérité		</a:t>
+            </a:r>
+            <a:r>
+              <a:rPr lang="fr-FR" dirty="0" smtClean="0">
+                <a:sym typeface="Wingdings" panose="05000000000000000000" pitchFamily="2" charset="2"/>
+              </a:rPr>
+              <a:t> Gérer </a:t>
+            </a:r>
+            <a:r>
+              <a:rPr lang="fr-FR" dirty="0">
+                <a:sym typeface="Wingdings" panose="05000000000000000000" pitchFamily="2" charset="2"/>
+              </a:rPr>
+              <a:t>les </a:t>
+            </a:r>
+            <a:r>
+              <a:rPr lang="fr-FR" dirty="0" smtClean="0">
+                <a:sym typeface="Wingdings" panose="05000000000000000000" pitchFamily="2" charset="2"/>
+              </a:rPr>
+              <a:t>égos</a:t>
+            </a:r>
+          </a:p>
+          <a:p>
+            <a:pPr lvl="1"/>
+            <a:endParaRPr lang="fr-FR" dirty="0">
+              <a:sym typeface="Wingdings" panose="05000000000000000000" pitchFamily="2" charset="2"/>
+            </a:endParaRPr>
+          </a:p>
+          <a:p>
+            <a:pPr lvl="1"/>
+            <a:r>
+              <a:rPr lang="fr-FR" dirty="0" smtClean="0">
+                <a:sym typeface="Wingdings" panose="05000000000000000000" pitchFamily="2" charset="2"/>
+              </a:rPr>
+              <a:t>Être capable de repérer les problèmes au sein de son équipe</a:t>
+            </a:r>
             <a:endParaRPr lang="fr-FR" dirty="0"/>
+          </a:p>
+          <a:p>
+            <a:pPr lvl="1"/>
+            <a:endParaRPr lang="fr-FR" dirty="0"/>
+          </a:p>
+          <a:p>
+            <a:pPr lvl="1"/>
+            <a:r>
+              <a:rPr lang="fr-FR" dirty="0" smtClean="0"/>
+              <a:t>Pouvoir diriger son équipe en montrant la marche à suivre</a:t>
+            </a:r>
+          </a:p>
+          <a:p>
+            <a:pPr lvl="1"/>
+            <a:endParaRPr lang="fr-FR" dirty="0"/>
+          </a:p>
+          <a:p>
+            <a:pPr lvl="1"/>
+            <a:r>
+              <a:rPr lang="fr-FR" dirty="0" smtClean="0"/>
+              <a:t>Eviter les dispersions</a:t>
+            </a:r>
+            <a:endParaRPr lang="fr-FR" dirty="0"/>
+          </a:p>
+        </p:txBody>
+      </p:sp>
+      <p:pic>
+        <p:nvPicPr>
+          <p:cNvPr id="7" name="Image 6"/>
+          <p:cNvPicPr>
+            <a:picLocks noChangeAspect="1"/>
+          </p:cNvPicPr>
+          <p:nvPr/>
+        </p:nvPicPr>
+        <p:blipFill>
+          <a:blip r:embed="rId2" cstate="print">
+            <a:extLst>
+              <a:ext uri="{28A0092B-C50C-407E-A947-70E740481C1C}">
+                <a14:useLocalDpi xmlns:a14="http://schemas.microsoft.com/office/drawing/2010/main" val="0"/>
+              </a:ext>
+            </a:extLst>
+          </a:blip>
+          <a:stretch>
+            <a:fillRect/>
+          </a:stretch>
+        </p:blipFill>
+        <p:spPr>
+          <a:xfrm>
+            <a:off x="6669336" y="0"/>
+            <a:ext cx="2240256" cy="1035817"/>
+          </a:xfrm>
+          <a:prstGeom prst="rect">
+            <a:avLst/>
+          </a:prstGeom>
+        </p:spPr>
+      </p:pic>
+      <p:sp>
+        <p:nvSpPr>
+          <p:cNvPr id="14" name="Ellipse 13"/>
+          <p:cNvSpPr/>
+          <p:nvPr/>
+        </p:nvSpPr>
+        <p:spPr>
+          <a:xfrm>
+            <a:off x="755576" y="2996952"/>
+            <a:ext cx="288032" cy="288032"/>
+          </a:xfrm>
+          <a:prstGeom prst="ellipse">
+            <a:avLst/>
+          </a:prstGeom>
+          <a:solidFill>
+            <a:srgbClr val="FF0000"/>
+          </a:solidFill>
+        </p:spPr>
+        <p:style>
+          <a:lnRef idx="2">
+            <a:schemeClr val="accent1">
+              <a:shade val="50000"/>
+            </a:schemeClr>
+          </a:lnRef>
+          <a:fillRef idx="1">
+            <a:schemeClr val="accent1"/>
+          </a:fillRef>
+          <a:effectRef idx="0">
+            <a:schemeClr val="accent1"/>
+          </a:effectRef>
+          <a:fontRef idx="minor">
+            <a:schemeClr val="lt1"/>
+          </a:fontRef>
+        </p:style>
+        <p:txBody>
+          <a:bodyPr rtlCol="0" anchor="ctr"/>
+          <a:lstStyle/>
+          <a:p>
+            <a:pPr algn="ctr"/>
+            <a:endParaRPr lang="fr-FR">
+              <a:solidFill>
+                <a:srgbClr val="FF0000"/>
+              </a:solidFill>
+            </a:endParaRPr>
+          </a:p>
+        </p:txBody>
+      </p:sp>
+      <p:sp>
+        <p:nvSpPr>
+          <p:cNvPr id="15" name="Ellipse 14"/>
+          <p:cNvSpPr/>
+          <p:nvPr/>
+        </p:nvSpPr>
+        <p:spPr>
+          <a:xfrm>
+            <a:off x="755576" y="2132856"/>
+            <a:ext cx="288032" cy="288032"/>
+          </a:xfrm>
+          <a:prstGeom prst="ellipse">
+            <a:avLst/>
+          </a:prstGeom>
+          <a:solidFill>
+            <a:srgbClr val="92D050"/>
+          </a:solidFill>
+        </p:spPr>
+        <p:style>
+          <a:lnRef idx="2">
+            <a:schemeClr val="accent1">
+              <a:shade val="50000"/>
+            </a:schemeClr>
+          </a:lnRef>
+          <a:fillRef idx="1">
+            <a:schemeClr val="accent1"/>
+          </a:fillRef>
+          <a:effectRef idx="0">
+            <a:schemeClr val="accent1"/>
+          </a:effectRef>
+          <a:fontRef idx="minor">
+            <a:schemeClr val="lt1"/>
+          </a:fontRef>
+        </p:style>
+        <p:txBody>
+          <a:bodyPr rtlCol="0" anchor="ctr"/>
+          <a:lstStyle/>
+          <a:p>
+            <a:pPr algn="ctr"/>
+            <a:endParaRPr lang="fr-FR">
+              <a:solidFill>
+                <a:srgbClr val="FF0000"/>
+              </a:solidFill>
+            </a:endParaRPr>
+          </a:p>
+        </p:txBody>
+      </p:sp>
+      <p:sp>
+        <p:nvSpPr>
+          <p:cNvPr id="16" name="Ellipse 15"/>
+          <p:cNvSpPr/>
+          <p:nvPr/>
+        </p:nvSpPr>
+        <p:spPr>
+          <a:xfrm>
+            <a:off x="755576" y="3789040"/>
+            <a:ext cx="288032" cy="288032"/>
+          </a:xfrm>
+          <a:prstGeom prst="ellipse">
+            <a:avLst/>
+          </a:prstGeom>
+          <a:solidFill>
+            <a:srgbClr val="FFC000"/>
+          </a:solidFill>
+        </p:spPr>
+        <p:style>
+          <a:lnRef idx="2">
+            <a:schemeClr val="accent1">
+              <a:shade val="50000"/>
+            </a:schemeClr>
+          </a:lnRef>
+          <a:fillRef idx="1">
+            <a:schemeClr val="accent1"/>
+          </a:fillRef>
+          <a:effectRef idx="0">
+            <a:schemeClr val="accent1"/>
+          </a:effectRef>
+          <a:fontRef idx="minor">
+            <a:schemeClr val="lt1"/>
+          </a:fontRef>
+        </p:style>
+        <p:txBody>
+          <a:bodyPr rtlCol="0" anchor="ctr"/>
+          <a:lstStyle/>
+          <a:p>
+            <a:pPr algn="ctr"/>
+            <a:endParaRPr lang="fr-FR">
+              <a:solidFill>
+                <a:srgbClr val="FF0000"/>
+              </a:solidFill>
+            </a:endParaRPr>
+          </a:p>
+        </p:txBody>
+      </p:sp>
+      <p:sp>
+        <p:nvSpPr>
+          <p:cNvPr id="17" name="Ellipse 16"/>
+          <p:cNvSpPr/>
+          <p:nvPr/>
+        </p:nvSpPr>
+        <p:spPr>
+          <a:xfrm>
+            <a:off x="755576" y="4653136"/>
+            <a:ext cx="288032" cy="288032"/>
+          </a:xfrm>
+          <a:prstGeom prst="ellipse">
+            <a:avLst/>
+          </a:prstGeom>
+          <a:solidFill>
+            <a:srgbClr val="FFFF00"/>
+          </a:solidFill>
+        </p:spPr>
+        <p:style>
+          <a:lnRef idx="2">
+            <a:schemeClr val="accent1">
+              <a:shade val="50000"/>
+            </a:schemeClr>
+          </a:lnRef>
+          <a:fillRef idx="1">
+            <a:schemeClr val="accent1"/>
+          </a:fillRef>
+          <a:effectRef idx="0">
+            <a:schemeClr val="accent1"/>
+          </a:effectRef>
+          <a:fontRef idx="minor">
+            <a:schemeClr val="lt1"/>
+          </a:fontRef>
+        </p:style>
+        <p:txBody>
+          <a:bodyPr rtlCol="0" anchor="ctr"/>
+          <a:lstStyle/>
+          <a:p>
+            <a:pPr algn="ctr"/>
+            <a:endParaRPr lang="fr-FR">
+              <a:solidFill>
+                <a:srgbClr val="FF0000"/>
+              </a:solidFill>
+            </a:endParaRPr>
+          </a:p>
+        </p:txBody>
+      </p:sp>
+      <p:sp>
+        <p:nvSpPr>
+          <p:cNvPr id="18" name="Ellipse 17"/>
+          <p:cNvSpPr/>
+          <p:nvPr/>
+        </p:nvSpPr>
+        <p:spPr>
+          <a:xfrm>
+            <a:off x="755576" y="5445224"/>
+            <a:ext cx="288032" cy="288032"/>
+          </a:xfrm>
+          <a:prstGeom prst="ellipse">
+            <a:avLst/>
+          </a:prstGeom>
+          <a:solidFill>
+            <a:srgbClr val="00B0F0"/>
+          </a:solidFill>
+        </p:spPr>
+        <p:style>
+          <a:lnRef idx="2">
+            <a:schemeClr val="accent1">
+              <a:shade val="50000"/>
+            </a:schemeClr>
+          </a:lnRef>
+          <a:fillRef idx="1">
+            <a:schemeClr val="accent1"/>
+          </a:fillRef>
+          <a:effectRef idx="0">
+            <a:schemeClr val="accent1"/>
+          </a:effectRef>
+          <a:fontRef idx="minor">
+            <a:schemeClr val="lt1"/>
+          </a:fontRef>
+        </p:style>
+        <p:txBody>
+          <a:bodyPr rtlCol="0" anchor="ctr"/>
+          <a:lstStyle/>
+          <a:p>
+            <a:pPr algn="ctr"/>
+            <a:endParaRPr lang="fr-FR">
+              <a:solidFill>
+                <a:srgbClr val="FF0000"/>
+              </a:solidFill>
+            </a:endParaRPr>
           </a:p>
         </p:txBody>
       </p:sp>
@@ -5668,6 +6964,13 @@
   <p:clrMapOvr>
     <a:masterClrMapping/>
   </p:clrMapOvr>
+  <p:timing>
+    <p:tnLst>
+      <p:par>
+        <p:cTn id="1" dur="indefinite" restart="never" nodeType="tmRoot"/>
+      </p:par>
+    </p:tnLst>
+  </p:timing>
 </p:sld>
 </file>
 
@@ -5736,29 +7039,6 @@
       </p:sp>
       <p:sp>
         <p:nvSpPr>
-          <p:cNvPr id="4" name="Espace réservé du pied de page 3"/>
-          <p:cNvSpPr>
-            <a:spLocks noGrp="1"/>
-          </p:cNvSpPr>
-          <p:nvPr>
-            <p:ph type="ftr" sz="quarter" idx="11"/>
-          </p:nvPr>
-        </p:nvSpPr>
-        <p:spPr/>
-        <p:txBody>
-          <a:bodyPr/>
-          <a:lstStyle/>
-          <a:p>
-            <a:r>
-              <a:rPr lang="fr-FR" smtClean="0"/>
-              <a:t>Train is coming</a:t>
-            </a:r>
-            <a:endParaRPr lang="fr-FR"/>
-          </a:p>
-        </p:txBody>
-      </p:sp>
-      <p:sp>
-        <p:nvSpPr>
           <p:cNvPr id="5" name="Espace réservé du numéro de diapositive 4"/>
           <p:cNvSpPr>
             <a:spLocks noGrp="1"/>
@@ -5799,7 +7079,257 @@
               <a:rPr lang="fr-FR" dirty="0" smtClean="0"/>
               <a:t>GESTION DU PROJET</a:t>
             </a:r>
+          </a:p>
+          <a:p>
+            <a:pPr marL="0" indent="0">
+              <a:buNone/>
+            </a:pPr>
+            <a:r>
+              <a:rPr lang="fr-FR" dirty="0" smtClean="0"/>
+              <a:t>« </a:t>
+            </a:r>
+            <a:r>
+              <a:rPr lang="fr-FR" b="1" i="1" dirty="0" smtClean="0"/>
+              <a:t>Bien gérer la communication</a:t>
+            </a:r>
+            <a:r>
+              <a:rPr lang="fr-FR" dirty="0" smtClean="0"/>
+              <a:t> » </a:t>
+            </a:r>
+          </a:p>
+          <a:p>
+            <a:pPr marL="0" indent="0" algn="ctr">
+              <a:buNone/>
+            </a:pPr>
             <a:endParaRPr lang="fr-FR" dirty="0"/>
+          </a:p>
+          <a:p>
+            <a:pPr marL="0" indent="0">
+              <a:buNone/>
+            </a:pPr>
+            <a:r>
+              <a:rPr lang="fr-FR" dirty="0" smtClean="0"/>
+              <a:t>	     </a:t>
+            </a:r>
+            <a:r>
+              <a:rPr lang="fr-FR" sz="2400" dirty="0" smtClean="0"/>
+              <a:t>Utilisation de </a:t>
+            </a:r>
+            <a:r>
+              <a:rPr lang="fr-FR" sz="2400" dirty="0" err="1" smtClean="0"/>
+              <a:t>Github</a:t>
+            </a:r>
+            <a:r>
+              <a:rPr lang="fr-FR" sz="2400" dirty="0" smtClean="0"/>
+              <a:t> pour le partage des ressources</a:t>
+            </a:r>
+          </a:p>
+          <a:p>
+            <a:pPr marL="0" indent="0">
+              <a:buNone/>
+            </a:pPr>
+            <a:endParaRPr lang="fr-FR" sz="2400" dirty="0" smtClean="0"/>
+          </a:p>
+          <a:p>
+            <a:pPr marL="0" indent="0">
+              <a:buNone/>
+            </a:pPr>
+            <a:r>
+              <a:rPr lang="fr-FR" sz="2400" dirty="0"/>
+              <a:t>	</a:t>
+            </a:r>
+            <a:r>
+              <a:rPr lang="fr-FR" sz="2400" dirty="0" smtClean="0"/>
+              <a:t>Suivre individuellement chaque membre</a:t>
+            </a:r>
+          </a:p>
+          <a:p>
+            <a:pPr marL="0" indent="0">
+              <a:buNone/>
+            </a:pPr>
+            <a:r>
+              <a:rPr lang="fr-FR" sz="2400" dirty="0"/>
+              <a:t>	</a:t>
+            </a:r>
+            <a:endParaRPr lang="fr-FR" sz="2400" dirty="0" smtClean="0"/>
+          </a:p>
+          <a:p>
+            <a:pPr marL="0" indent="0">
+              <a:buNone/>
+            </a:pPr>
+            <a:r>
+              <a:rPr lang="fr-FR" sz="2400" dirty="0"/>
+              <a:t>	</a:t>
+            </a:r>
+            <a:r>
+              <a:rPr lang="fr-FR" sz="2400" dirty="0" smtClean="0"/>
+              <a:t>Organiser et animer les réunions de groupe</a:t>
+            </a:r>
+          </a:p>
+        </p:txBody>
+      </p:sp>
+      <p:pic>
+        <p:nvPicPr>
+          <p:cNvPr id="7" name="Image 6"/>
+          <p:cNvPicPr>
+            <a:picLocks noChangeAspect="1"/>
+          </p:cNvPicPr>
+          <p:nvPr/>
+        </p:nvPicPr>
+        <p:blipFill>
+          <a:blip r:embed="rId2" cstate="print">
+            <a:extLst>
+              <a:ext uri="{28A0092B-C50C-407E-A947-70E740481C1C}">
+                <a14:useLocalDpi xmlns:a14="http://schemas.microsoft.com/office/drawing/2010/main" val="0"/>
+              </a:ext>
+            </a:extLst>
+          </a:blip>
+          <a:stretch>
+            <a:fillRect/>
+          </a:stretch>
+        </p:blipFill>
+        <p:spPr>
+          <a:xfrm>
+            <a:off x="6669336" y="0"/>
+            <a:ext cx="2240256" cy="1035817"/>
+          </a:xfrm>
+          <a:prstGeom prst="rect">
+            <a:avLst/>
+          </a:prstGeom>
+        </p:spPr>
+      </p:pic>
+      <p:pic>
+        <p:nvPicPr>
+          <p:cNvPr id="1026" name="Picture 2" descr="C:\Users\vince\OneDrive\Documents\GPI - 2K18\1-2-github-free-png-image.png"/>
+          <p:cNvPicPr>
+            <a:picLocks noChangeAspect="1" noChangeArrowheads="1"/>
+          </p:cNvPicPr>
+          <p:nvPr/>
+        </p:nvPicPr>
+        <p:blipFill>
+          <a:blip r:embed="rId3" cstate="print">
+            <a:extLst>
+              <a:ext uri="{28A0092B-C50C-407E-A947-70E740481C1C}">
+                <a14:useLocalDpi xmlns:a14="http://schemas.microsoft.com/office/drawing/2010/main" val="0"/>
+              </a:ext>
+            </a:extLst>
+          </a:blip>
+          <a:srcRect/>
+          <a:stretch>
+            <a:fillRect/>
+          </a:stretch>
+        </p:blipFill>
+        <p:spPr bwMode="auto">
+          <a:xfrm>
+            <a:off x="693413" y="2420888"/>
+            <a:ext cx="988421" cy="988421"/>
+          </a:xfrm>
+          <a:prstGeom prst="rect">
+            <a:avLst/>
+          </a:prstGeom>
+          <a:noFill/>
+          <a:extLst>
+            <a:ext uri="{909E8E84-426E-40DD-AFC4-6F175D3DCCD1}">
+              <a14:hiddenFill xmlns:a14="http://schemas.microsoft.com/office/drawing/2010/main">
+                <a:solidFill>
+                  <a:srgbClr val="FFFFFF"/>
+                </a:solidFill>
+              </a14:hiddenFill>
+            </a:ext>
+          </a:extLst>
+        </p:spPr>
+      </p:pic>
+      <p:sp>
+        <p:nvSpPr>
+          <p:cNvPr id="9" name="Ellipse 8"/>
+          <p:cNvSpPr/>
+          <p:nvPr/>
+        </p:nvSpPr>
+        <p:spPr>
+          <a:xfrm>
+            <a:off x="1043608" y="3573016"/>
+            <a:ext cx="288032" cy="288032"/>
+          </a:xfrm>
+          <a:prstGeom prst="ellipse">
+            <a:avLst/>
+          </a:prstGeom>
+          <a:solidFill>
+            <a:srgbClr val="92D050"/>
+          </a:solidFill>
+        </p:spPr>
+        <p:style>
+          <a:lnRef idx="2">
+            <a:schemeClr val="accent1">
+              <a:shade val="50000"/>
+            </a:schemeClr>
+          </a:lnRef>
+          <a:fillRef idx="1">
+            <a:schemeClr val="accent1"/>
+          </a:fillRef>
+          <a:effectRef idx="0">
+            <a:schemeClr val="accent1"/>
+          </a:effectRef>
+          <a:fontRef idx="minor">
+            <a:schemeClr val="lt1"/>
+          </a:fontRef>
+        </p:style>
+        <p:txBody>
+          <a:bodyPr rtlCol="0" anchor="ctr"/>
+          <a:lstStyle/>
+          <a:p>
+            <a:pPr algn="ctr"/>
+            <a:endParaRPr lang="fr-FR">
+              <a:solidFill>
+                <a:srgbClr val="FF0000"/>
+              </a:solidFill>
+            </a:endParaRPr>
+          </a:p>
+        </p:txBody>
+      </p:sp>
+      <p:sp>
+        <p:nvSpPr>
+          <p:cNvPr id="10" name="Ellipse 9"/>
+          <p:cNvSpPr/>
+          <p:nvPr/>
+        </p:nvSpPr>
+        <p:spPr>
+          <a:xfrm>
+            <a:off x="1043608" y="4509120"/>
+            <a:ext cx="288032" cy="288032"/>
+          </a:xfrm>
+          <a:prstGeom prst="ellipse">
+            <a:avLst/>
+          </a:prstGeom>
+          <a:solidFill>
+            <a:srgbClr val="92D050"/>
+          </a:solidFill>
+        </p:spPr>
+        <p:style>
+          <a:lnRef idx="2">
+            <a:schemeClr val="accent1">
+              <a:shade val="50000"/>
+            </a:schemeClr>
+          </a:lnRef>
+          <a:fillRef idx="1">
+            <a:schemeClr val="accent1"/>
+          </a:fillRef>
+          <a:effectRef idx="0">
+            <a:schemeClr val="accent1"/>
+          </a:effectRef>
+          <a:fontRef idx="minor">
+            <a:schemeClr val="lt1"/>
+          </a:fontRef>
+        </p:style>
+        <p:txBody>
+          <a:bodyPr rtlCol="0" anchor="ctr"/>
+          <a:lstStyle/>
+          <a:p>
+            <a:pPr algn="ctr"/>
+            <a:endParaRPr lang="fr-FR">
+              <a:solidFill>
+                <a:srgbClr val="FF0000"/>
+              </a:solidFill>
+            </a:endParaRPr>
           </a:p>
         </p:txBody>
       </p:sp>
@@ -5813,6 +7343,13 @@
   <p:clrMapOvr>
     <a:masterClrMapping/>
   </p:clrMapOvr>
+  <p:timing>
+    <p:tnLst>
+      <p:par>
+        <p:cTn id="1" dur="indefinite" restart="never" nodeType="tmRoot"/>
+      </p:par>
+    </p:tnLst>
+  </p:timing>
 </p:sld>
 </file>
 
@@ -5881,29 +7418,6 @@
       </p:sp>
       <p:sp>
         <p:nvSpPr>
-          <p:cNvPr id="4" name="Espace réservé du pied de page 3"/>
-          <p:cNvSpPr>
-            <a:spLocks noGrp="1"/>
-          </p:cNvSpPr>
-          <p:nvPr>
-            <p:ph type="ftr" sz="quarter" idx="11"/>
-          </p:nvPr>
-        </p:nvSpPr>
-        <p:spPr/>
-        <p:txBody>
-          <a:bodyPr/>
-          <a:lstStyle/>
-          <a:p>
-            <a:r>
-              <a:rPr lang="fr-FR" smtClean="0"/>
-              <a:t>Train is coming</a:t>
-            </a:r>
-            <a:endParaRPr lang="fr-FR"/>
-          </a:p>
-        </p:txBody>
-      </p:sp>
-      <p:sp>
-        <p:nvSpPr>
           <p:cNvPr id="5" name="Espace réservé du numéro de diapositive 4"/>
           <p:cNvSpPr>
             <a:spLocks noGrp="1"/>
@@ -5940,7 +7454,233 @@
           <a:bodyPr/>
           <a:lstStyle/>
           <a:p>
-            <a:endParaRPr lang="fr-FR"/>
+            <a:pPr marL="0" indent="0">
+              <a:buNone/>
+            </a:pPr>
+            <a:endParaRPr lang="fr-FR" dirty="0" smtClean="0"/>
+          </a:p>
+          <a:p>
+            <a:pPr marL="0" indent="0">
+              <a:buNone/>
+            </a:pPr>
+            <a:r>
+              <a:rPr lang="fr-FR" dirty="0"/>
+              <a:t>	</a:t>
+            </a:r>
+            <a:r>
+              <a:rPr lang="fr-FR" dirty="0" smtClean="0"/>
+              <a:t>S’occuper de gérer la communication avec le client</a:t>
+            </a:r>
+          </a:p>
+          <a:p>
+            <a:pPr marL="0" indent="0">
+              <a:buNone/>
+            </a:pPr>
+            <a:r>
+              <a:rPr lang="fr-FR" dirty="0"/>
+              <a:t>	</a:t>
+            </a:r>
+            <a:endParaRPr lang="fr-FR" dirty="0" smtClean="0"/>
+          </a:p>
+          <a:p>
+            <a:pPr marL="0" indent="0">
+              <a:buNone/>
+            </a:pPr>
+            <a:r>
+              <a:rPr lang="fr-FR" dirty="0"/>
+              <a:t>	</a:t>
+            </a:r>
+            <a:r>
+              <a:rPr lang="fr-FR" dirty="0" smtClean="0"/>
+              <a:t>S’assurer que les besoins du clients sont satisfait au 	cours du développement</a:t>
+            </a:r>
+          </a:p>
+          <a:p>
+            <a:pPr marL="0" indent="0">
+              <a:buNone/>
+            </a:pPr>
+            <a:endParaRPr lang="fr-FR" dirty="0"/>
+          </a:p>
+          <a:p>
+            <a:pPr marL="0" indent="0">
+              <a:buNone/>
+            </a:pPr>
+            <a:r>
+              <a:rPr lang="fr-FR" dirty="0" smtClean="0"/>
+              <a:t>	Epaule le chef dans ses tâches</a:t>
+            </a:r>
+            <a:endParaRPr lang="fr-FR" dirty="0"/>
+          </a:p>
+        </p:txBody>
+      </p:sp>
+      <p:pic>
+        <p:nvPicPr>
+          <p:cNvPr id="7" name="Image 6"/>
+          <p:cNvPicPr>
+            <a:picLocks noChangeAspect="1"/>
+          </p:cNvPicPr>
+          <p:nvPr/>
+        </p:nvPicPr>
+        <p:blipFill>
+          <a:blip r:embed="rId2" cstate="print">
+            <a:extLst>
+              <a:ext uri="{28A0092B-C50C-407E-A947-70E740481C1C}">
+                <a14:useLocalDpi xmlns:a14="http://schemas.microsoft.com/office/drawing/2010/main" val="0"/>
+              </a:ext>
+            </a:extLst>
+          </a:blip>
+          <a:stretch>
+            <a:fillRect/>
+          </a:stretch>
+        </p:blipFill>
+        <p:spPr>
+          <a:xfrm>
+            <a:off x="6669336" y="0"/>
+            <a:ext cx="2240256" cy="1035817"/>
+          </a:xfrm>
+          <a:prstGeom prst="rect">
+            <a:avLst/>
+          </a:prstGeom>
+        </p:spPr>
+      </p:pic>
+      <p:sp>
+        <p:nvSpPr>
+          <p:cNvPr id="8" name="Ellipse 7"/>
+          <p:cNvSpPr/>
+          <p:nvPr/>
+        </p:nvSpPr>
+        <p:spPr>
+          <a:xfrm>
+            <a:off x="1043608" y="1772816"/>
+            <a:ext cx="288032" cy="288032"/>
+          </a:xfrm>
+          <a:prstGeom prst="ellipse">
+            <a:avLst/>
+          </a:prstGeom>
+          <a:solidFill>
+            <a:srgbClr val="FFC000"/>
+          </a:solidFill>
+        </p:spPr>
+        <p:style>
+          <a:lnRef idx="2">
+            <a:schemeClr val="accent1">
+              <a:shade val="50000"/>
+            </a:schemeClr>
+          </a:lnRef>
+          <a:fillRef idx="1">
+            <a:schemeClr val="accent1"/>
+          </a:fillRef>
+          <a:effectRef idx="0">
+            <a:schemeClr val="accent1"/>
+          </a:effectRef>
+          <a:fontRef idx="minor">
+            <a:schemeClr val="lt1"/>
+          </a:fontRef>
+        </p:style>
+        <p:txBody>
+          <a:bodyPr rtlCol="0" anchor="ctr"/>
+          <a:lstStyle/>
+          <a:p>
+            <a:pPr algn="ctr"/>
+            <a:endParaRPr lang="fr-FR">
+              <a:solidFill>
+                <a:srgbClr val="FF0000"/>
+              </a:solidFill>
+            </a:endParaRPr>
+          </a:p>
+        </p:txBody>
+      </p:sp>
+      <p:sp>
+        <p:nvSpPr>
+          <p:cNvPr id="9" name="Ellipse 8"/>
+          <p:cNvSpPr/>
+          <p:nvPr/>
+        </p:nvSpPr>
+        <p:spPr>
+          <a:xfrm>
+            <a:off x="1043608" y="2708920"/>
+            <a:ext cx="288032" cy="288032"/>
+          </a:xfrm>
+          <a:prstGeom prst="ellipse">
+            <a:avLst/>
+          </a:prstGeom>
+          <a:solidFill>
+            <a:srgbClr val="FFC000"/>
+          </a:solidFill>
+        </p:spPr>
+        <p:style>
+          <a:lnRef idx="2">
+            <a:schemeClr val="accent1">
+              <a:shade val="50000"/>
+            </a:schemeClr>
+          </a:lnRef>
+          <a:fillRef idx="1">
+            <a:schemeClr val="accent1"/>
+          </a:fillRef>
+          <a:effectRef idx="0">
+            <a:schemeClr val="accent1"/>
+          </a:effectRef>
+          <a:fontRef idx="minor">
+            <a:schemeClr val="lt1"/>
+          </a:fontRef>
+        </p:style>
+        <p:txBody>
+          <a:bodyPr rtlCol="0" anchor="ctr"/>
+          <a:lstStyle/>
+          <a:p>
+            <a:pPr algn="ctr"/>
+            <a:endParaRPr lang="fr-FR">
+              <a:solidFill>
+                <a:srgbClr val="FF0000"/>
+              </a:solidFill>
+            </a:endParaRPr>
+          </a:p>
+        </p:txBody>
+      </p:sp>
+      <p:sp>
+        <p:nvSpPr>
+          <p:cNvPr id="10" name="Ellipse 9"/>
+          <p:cNvSpPr/>
+          <p:nvPr/>
+        </p:nvSpPr>
+        <p:spPr>
+          <a:xfrm>
+            <a:off x="1043608" y="4077072"/>
+            <a:ext cx="288032" cy="288032"/>
+          </a:xfrm>
+          <a:prstGeom prst="ellipse">
+            <a:avLst/>
+          </a:prstGeom>
+          <a:solidFill>
+            <a:srgbClr val="FFC000"/>
+          </a:solidFill>
+        </p:spPr>
+        <p:style>
+          <a:lnRef idx="2">
+            <a:schemeClr val="accent1">
+              <a:shade val="50000"/>
+            </a:schemeClr>
+          </a:lnRef>
+          <a:fillRef idx="1">
+            <a:schemeClr val="accent1"/>
+          </a:fillRef>
+          <a:effectRef idx="0">
+            <a:schemeClr val="accent1"/>
+          </a:effectRef>
+          <a:fontRef idx="minor">
+            <a:schemeClr val="lt1"/>
+          </a:fontRef>
+        </p:style>
+        <p:txBody>
+          <a:bodyPr rtlCol="0" anchor="ctr"/>
+          <a:lstStyle/>
+          <a:p>
+            <a:pPr algn="ctr"/>
+            <a:endParaRPr lang="fr-FR">
+              <a:solidFill>
+                <a:srgbClr val="FF0000"/>
+              </a:solidFill>
+            </a:endParaRPr>
           </a:p>
         </p:txBody>
       </p:sp>
@@ -5954,6 +7694,13 @@
   <p:clrMapOvr>
     <a:masterClrMapping/>
   </p:clrMapOvr>
+  <p:timing>
+    <p:tnLst>
+      <p:par>
+        <p:cTn id="1" dur="indefinite" restart="never" nodeType="tmRoot"/>
+      </p:par>
+    </p:tnLst>
+  </p:timing>
 </p:sld>
 </file>
 
@@ -6022,29 +7769,6 @@
       </p:sp>
       <p:sp>
         <p:nvSpPr>
-          <p:cNvPr id="4" name="Espace réservé du pied de page 3"/>
-          <p:cNvSpPr>
-            <a:spLocks noGrp="1"/>
-          </p:cNvSpPr>
-          <p:nvPr>
-            <p:ph type="ftr" sz="quarter" idx="11"/>
-          </p:nvPr>
-        </p:nvSpPr>
-        <p:spPr/>
-        <p:txBody>
-          <a:bodyPr/>
-          <a:lstStyle/>
-          <a:p>
-            <a:r>
-              <a:rPr lang="fr-FR" smtClean="0"/>
-              <a:t>Train is coming</a:t>
-            </a:r>
-            <a:endParaRPr lang="fr-FR"/>
-          </a:p>
-        </p:txBody>
-      </p:sp>
-      <p:sp>
-        <p:nvSpPr>
           <p:cNvPr id="5" name="Espace réservé du numéro de diapositive 4"/>
           <p:cNvSpPr>
             <a:spLocks noGrp="1"/>
@@ -6085,7 +7809,277 @@
               <a:rPr lang="fr-FR" dirty="0" smtClean="0"/>
               <a:t>LE ROLE DU MOE</a:t>
             </a:r>
+          </a:p>
+          <a:p>
+            <a:endParaRPr lang="fr-FR" dirty="0" smtClean="0"/>
+          </a:p>
+          <a:p>
+            <a:pPr lvl="1"/>
+            <a:r>
+              <a:rPr lang="fr-FR" dirty="0" smtClean="0"/>
+              <a:t>Responsable en terme de programmation</a:t>
+            </a:r>
+          </a:p>
+          <a:p>
+            <a:pPr lvl="1"/>
             <a:endParaRPr lang="fr-FR" dirty="0"/>
+          </a:p>
+          <a:p>
+            <a:pPr lvl="1"/>
+            <a:r>
+              <a:rPr lang="fr-FR" dirty="0" smtClean="0"/>
+              <a:t>S’assure que la conception des éléments soit cohérente</a:t>
+            </a:r>
+          </a:p>
+          <a:p>
+            <a:pPr lvl="1"/>
+            <a:endParaRPr lang="fr-FR" dirty="0"/>
+          </a:p>
+          <a:p>
+            <a:pPr lvl="1"/>
+            <a:r>
+              <a:rPr lang="fr-FR" dirty="0" smtClean="0"/>
+              <a:t>Manage les membres de l’équipe dans le domaine du développement</a:t>
+            </a:r>
+          </a:p>
+          <a:p>
+            <a:pPr lvl="1"/>
+            <a:endParaRPr lang="fr-FR" dirty="0"/>
+          </a:p>
+          <a:p>
+            <a:pPr lvl="1"/>
+            <a:r>
+              <a:rPr lang="fr-FR" dirty="0" smtClean="0"/>
+              <a:t>Programmation rigoureuse</a:t>
+            </a:r>
+          </a:p>
+          <a:p>
+            <a:pPr lvl="1"/>
+            <a:endParaRPr lang="fr-FR" dirty="0"/>
+          </a:p>
+          <a:p>
+            <a:pPr marL="274320" lvl="1" indent="0">
+              <a:buNone/>
+            </a:pPr>
+            <a:endParaRPr lang="fr-FR" dirty="0"/>
+          </a:p>
+        </p:txBody>
+      </p:sp>
+      <p:pic>
+        <p:nvPicPr>
+          <p:cNvPr id="7" name="Image 6"/>
+          <p:cNvPicPr>
+            <a:picLocks noChangeAspect="1"/>
+          </p:cNvPicPr>
+          <p:nvPr/>
+        </p:nvPicPr>
+        <p:blipFill>
+          <a:blip r:embed="rId2" cstate="print">
+            <a:extLst>
+              <a:ext uri="{28A0092B-C50C-407E-A947-70E740481C1C}">
+                <a14:useLocalDpi xmlns:a14="http://schemas.microsoft.com/office/drawing/2010/main" val="0"/>
+              </a:ext>
+            </a:extLst>
+          </a:blip>
+          <a:stretch>
+            <a:fillRect/>
+          </a:stretch>
+        </p:blipFill>
+        <p:spPr>
+          <a:xfrm>
+            <a:off x="6669336" y="0"/>
+            <a:ext cx="2240256" cy="1035817"/>
+          </a:xfrm>
+          <a:prstGeom prst="rect">
+            <a:avLst/>
+          </a:prstGeom>
+        </p:spPr>
+      </p:pic>
+      <p:sp>
+        <p:nvSpPr>
+          <p:cNvPr id="8" name="Ellipse 7"/>
+          <p:cNvSpPr/>
+          <p:nvPr/>
+        </p:nvSpPr>
+        <p:spPr>
+          <a:xfrm>
+            <a:off x="683568" y="2204864"/>
+            <a:ext cx="288032" cy="288032"/>
+          </a:xfrm>
+          <a:prstGeom prst="ellipse">
+            <a:avLst/>
+          </a:prstGeom>
+          <a:solidFill>
+            <a:srgbClr val="00B0F0"/>
+          </a:solidFill>
+        </p:spPr>
+        <p:style>
+          <a:lnRef idx="2">
+            <a:schemeClr val="accent1">
+              <a:shade val="50000"/>
+            </a:schemeClr>
+          </a:lnRef>
+          <a:fillRef idx="1">
+            <a:schemeClr val="accent1"/>
+          </a:fillRef>
+          <a:effectRef idx="0">
+            <a:schemeClr val="accent1"/>
+          </a:effectRef>
+          <a:fontRef idx="minor">
+            <a:schemeClr val="lt1"/>
+          </a:fontRef>
+        </p:style>
+        <p:txBody>
+          <a:bodyPr rtlCol="0" anchor="ctr"/>
+          <a:lstStyle/>
+          <a:p>
+            <a:pPr algn="ctr"/>
+            <a:endParaRPr lang="fr-FR">
+              <a:solidFill>
+                <a:srgbClr val="FF0000"/>
+              </a:solidFill>
+            </a:endParaRPr>
+          </a:p>
+        </p:txBody>
+      </p:sp>
+      <p:sp>
+        <p:nvSpPr>
+          <p:cNvPr id="9" name="Ellipse 8"/>
+          <p:cNvSpPr/>
+          <p:nvPr/>
+        </p:nvSpPr>
+        <p:spPr>
+          <a:xfrm>
+            <a:off x="683568" y="2996952"/>
+            <a:ext cx="288032" cy="288032"/>
+          </a:xfrm>
+          <a:prstGeom prst="ellipse">
+            <a:avLst/>
+          </a:prstGeom>
+          <a:solidFill>
+            <a:srgbClr val="00B0F0"/>
+          </a:solidFill>
+        </p:spPr>
+        <p:style>
+          <a:lnRef idx="2">
+            <a:schemeClr val="accent1">
+              <a:shade val="50000"/>
+            </a:schemeClr>
+          </a:lnRef>
+          <a:fillRef idx="1">
+            <a:schemeClr val="accent1"/>
+          </a:fillRef>
+          <a:effectRef idx="0">
+            <a:schemeClr val="accent1"/>
+          </a:effectRef>
+          <a:fontRef idx="minor">
+            <a:schemeClr val="lt1"/>
+          </a:fontRef>
+        </p:style>
+        <p:txBody>
+          <a:bodyPr rtlCol="0" anchor="ctr"/>
+          <a:lstStyle/>
+          <a:p>
+            <a:pPr algn="ctr"/>
+            <a:endParaRPr lang="fr-FR">
+              <a:solidFill>
+                <a:srgbClr val="FF0000"/>
+              </a:solidFill>
+            </a:endParaRPr>
+          </a:p>
+        </p:txBody>
+      </p:sp>
+      <p:sp>
+        <p:nvSpPr>
+          <p:cNvPr id="10" name="Ellipse 9"/>
+          <p:cNvSpPr/>
+          <p:nvPr/>
+        </p:nvSpPr>
+        <p:spPr>
+          <a:xfrm>
+            <a:off x="683568" y="3861048"/>
+            <a:ext cx="288032" cy="288032"/>
+          </a:xfrm>
+          <a:prstGeom prst="ellipse">
+            <a:avLst/>
+          </a:prstGeom>
+          <a:solidFill>
+            <a:srgbClr val="00B0F0"/>
+          </a:solidFill>
+        </p:spPr>
+        <p:style>
+          <a:lnRef idx="2">
+            <a:schemeClr val="accent1">
+              <a:shade val="50000"/>
+            </a:schemeClr>
+          </a:lnRef>
+          <a:fillRef idx="1">
+            <a:schemeClr val="accent1"/>
+          </a:fillRef>
+          <a:effectRef idx="0">
+            <a:schemeClr val="accent1"/>
+          </a:effectRef>
+          <a:fontRef idx="minor">
+            <a:schemeClr val="lt1"/>
+          </a:fontRef>
+        </p:style>
+        <p:txBody>
+          <a:bodyPr rtlCol="0" anchor="ctr"/>
+          <a:lstStyle/>
+          <a:p>
+            <a:pPr algn="ctr"/>
+            <a:endParaRPr lang="fr-FR">
+              <a:solidFill>
+                <a:srgbClr val="FF0000"/>
+              </a:solidFill>
+            </a:endParaRPr>
+          </a:p>
+        </p:txBody>
+      </p:sp>
+      <p:sp>
+        <p:nvSpPr>
+          <p:cNvPr id="11" name="Ellipse 10"/>
+          <p:cNvSpPr/>
+          <p:nvPr/>
+        </p:nvSpPr>
+        <p:spPr>
+          <a:xfrm>
+            <a:off x="683568" y="5085184"/>
+            <a:ext cx="288032" cy="288032"/>
+          </a:xfrm>
+          <a:prstGeom prst="ellipse">
+            <a:avLst/>
+          </a:prstGeom>
+          <a:solidFill>
+            <a:srgbClr val="00B0F0"/>
+          </a:solidFill>
+        </p:spPr>
+        <p:style>
+          <a:lnRef idx="2">
+            <a:schemeClr val="accent1">
+              <a:shade val="50000"/>
+            </a:schemeClr>
+          </a:lnRef>
+          <a:fillRef idx="1">
+            <a:schemeClr val="accent1"/>
+          </a:fillRef>
+          <a:effectRef idx="0">
+            <a:schemeClr val="accent1"/>
+          </a:effectRef>
+          <a:fontRef idx="minor">
+            <a:schemeClr val="lt1"/>
+          </a:fontRef>
+        </p:style>
+        <p:txBody>
+          <a:bodyPr rtlCol="0" anchor="ctr"/>
+          <a:lstStyle/>
+          <a:p>
+            <a:pPr algn="ctr"/>
+            <a:endParaRPr lang="fr-FR">
+              <a:solidFill>
+                <a:srgbClr val="FF0000"/>
+              </a:solidFill>
+            </a:endParaRPr>
           </a:p>
         </p:txBody>
       </p:sp>
@@ -6099,6 +8093,13 @@
   <p:clrMapOvr>
     <a:masterClrMapping/>
   </p:clrMapOvr>
+  <p:timing>
+    <p:tnLst>
+      <p:par>
+        <p:cTn id="1" dur="indefinite" restart="never" nodeType="tmRoot"/>
+      </p:par>
+    </p:tnLst>
+  </p:timing>
 </p:sld>
 </file>
 
@@ -6179,11 +8180,7 @@
           <a:bodyPr/>
           <a:lstStyle/>
           <a:p>
-            <a:r>
-              <a:rPr lang="fr-FR" smtClean="0"/>
-              <a:t>Train is coming</a:t>
-            </a:r>
-            <a:endParaRPr lang="fr-FR"/>
+            <a:endParaRPr lang="fr-FR" dirty="0"/>
           </a:p>
         </p:txBody>
       </p:sp>
@@ -6233,6 +8230,36 @@
           </a:p>
         </p:txBody>
       </p:sp>
+      <p:pic>
+        <p:nvPicPr>
+          <p:cNvPr id="7" name="Image 6"/>
+          <p:cNvPicPr>
+            <a:picLocks noChangeAspect="1"/>
+          </p:cNvPicPr>
+          <p:nvPr/>
+        </p:nvPicPr>
+        <p:blipFill>
+          <a:blip r:embed="rId2" cstate="print">
+            <a:extLst>
+              <a:ext uri="{28A0092B-C50C-407E-A947-70E740481C1C}">
+                <a14:useLocalDpi xmlns:a14="http://schemas.microsoft.com/office/drawing/2010/main" val="0"/>
+              </a:ext>
+            </a:extLst>
+          </a:blip>
+          <a:stretch>
+            <a:fillRect/>
+          </a:stretch>
+        </p:blipFill>
+        <p:spPr>
+          <a:xfrm>
+            <a:off x="6669336" y="0"/>
+            <a:ext cx="2240256" cy="1035817"/>
+          </a:xfrm>
+          <a:prstGeom prst="rect">
+            <a:avLst/>
+          </a:prstGeom>
+        </p:spPr>
+      </p:pic>
     </p:spTree>
     <p:extLst>
       <p:ext uri="{BB962C8B-B14F-4D97-AF65-F5344CB8AC3E}">
